--- a/files/Block2-1_Files-and-Folders.pptx
+++ b/files/Block2-1_Files-and-Folders.pptx
@@ -40,25 +40,25 @@
   <p:notesSz cx="6858000" cy="9144000"/>
   <p:embeddedFontLst>
     <p:embeddedFont>
-      <p:font typeface="Average" panose="020B0604020202020204" charset="0"/>
+      <p:font typeface="Average" panose="020F0502020204030204" pitchFamily="34" charset="0"/>
       <p:regular r:id="rId30"/>
       <p:bold r:id="rId31"/>
       <p:italic r:id="rId32"/>
       <p:boldItalic r:id="rId33"/>
     </p:embeddedFont>
     <p:embeddedFont>
-      <p:font typeface="Nunito" pitchFamily="2" charset="0"/>
+      <p:font typeface="Nunito" pitchFamily="2" charset="77"/>
       <p:regular r:id="rId34"/>
       <p:bold r:id="rId35"/>
       <p:italic r:id="rId36"/>
       <p:boldItalic r:id="rId37"/>
     </p:embeddedFont>
     <p:embeddedFont>
-      <p:font typeface="Questrial" pitchFamily="2" charset="0"/>
+      <p:font typeface="Questrial" pitchFamily="2" charset="77"/>
       <p:regular r:id="rId38"/>
     </p:embeddedFont>
     <p:embeddedFont>
-      <p:font typeface="Tw Cen MT" panose="020B0602020104020603" pitchFamily="34" charset="0"/>
+      <p:font typeface="Tw Cen MT" panose="020B0602020104020603" pitchFamily="34" charset="77"/>
       <p:regular r:id="rId39"/>
       <p:bold r:id="rId40"/>
       <p:italic r:id="rId41"/>
@@ -11138,45 +11138,7 @@
             </a:pPr>
             <a:r>
               <a:rPr lang="en-CA" sz="1600" dirty="0"/>
-              <a:t>Implement file naming best practices on example files</a:t>
-            </a:r>
-          </a:p>
-          <a:p>
-            <a:pPr marL="285750" lvl="0" indent="-285750" algn="l" rtl="0">
-              <a:lnSpc>
-                <a:spcPct val="150000"/>
-              </a:lnSpc>
-              <a:spcBef>
-                <a:spcPts val="0"/>
-              </a:spcBef>
-              <a:spcAft>
-                <a:spcPts val="0"/>
-              </a:spcAft>
-              <a:buFont typeface="Arial" panose="020B0604020202020204" pitchFamily="34" charset="0"/>
-              <a:buChar char="•"/>
-            </a:pPr>
-            <a:r>
-              <a:rPr lang="en-CA" sz="1600" dirty="0"/>
               <a:t>Introduce concepts and best practices of directory organization</a:t>
-            </a:r>
-          </a:p>
-          <a:p>
-            <a:pPr marL="285750" lvl="0" indent="-285750" algn="l" rtl="0">
-              <a:lnSpc>
-                <a:spcPct val="150000"/>
-              </a:lnSpc>
-              <a:spcBef>
-                <a:spcPts val="0"/>
-              </a:spcBef>
-              <a:spcAft>
-                <a:spcPts val="0"/>
-              </a:spcAft>
-              <a:buFont typeface="Arial" panose="020B0604020202020204" pitchFamily="34" charset="0"/>
-              <a:buChar char="•"/>
-            </a:pPr>
-            <a:r>
-              <a:rPr lang="en-CA" sz="1600" dirty="0"/>
-              <a:t>Implement directory structure best practices on an example project</a:t>
             </a:r>
           </a:p>
           <a:p>

--- a/files/Block2-1_Files-and-Folders.pptx
+++ b/files/Block2-1_Files-and-Folders.pptx
@@ -10,25 +10,25 @@
   <p:sldIdLst>
     <p:sldId id="256" r:id="rId2"/>
     <p:sldId id="450" r:id="rId3"/>
-    <p:sldId id="460" r:id="rId4"/>
-    <p:sldId id="397" r:id="rId5"/>
-    <p:sldId id="429" r:id="rId6"/>
-    <p:sldId id="430" r:id="rId7"/>
-    <p:sldId id="431" r:id="rId8"/>
-    <p:sldId id="449" r:id="rId9"/>
-    <p:sldId id="432" r:id="rId10"/>
-    <p:sldId id="452" r:id="rId11"/>
-    <p:sldId id="434" r:id="rId12"/>
-    <p:sldId id="433" r:id="rId13"/>
-    <p:sldId id="435" r:id="rId14"/>
-    <p:sldId id="456" r:id="rId15"/>
+    <p:sldId id="397" r:id="rId4"/>
+    <p:sldId id="429" r:id="rId5"/>
+    <p:sldId id="430" r:id="rId6"/>
+    <p:sldId id="431" r:id="rId7"/>
+    <p:sldId id="449" r:id="rId8"/>
+    <p:sldId id="432" r:id="rId9"/>
+    <p:sldId id="452" r:id="rId10"/>
+    <p:sldId id="434" r:id="rId11"/>
+    <p:sldId id="433" r:id="rId12"/>
+    <p:sldId id="435" r:id="rId13"/>
+    <p:sldId id="456" r:id="rId14"/>
+    <p:sldId id="459" r:id="rId15"/>
     <p:sldId id="436" r:id="rId16"/>
     <p:sldId id="438" r:id="rId17"/>
     <p:sldId id="439" r:id="rId18"/>
-    <p:sldId id="440" r:id="rId19"/>
+    <p:sldId id="460" r:id="rId19"/>
     <p:sldId id="441" r:id="rId20"/>
     <p:sldId id="442" r:id="rId21"/>
-    <p:sldId id="443" r:id="rId22"/>
+    <p:sldId id="461" r:id="rId22"/>
     <p:sldId id="444" r:id="rId23"/>
     <p:sldId id="455" r:id="rId24"/>
     <p:sldId id="453" r:id="rId25"/>
@@ -47,22 +47,29 @@
       <p:boldItalic r:id="rId33"/>
     </p:embeddedFont>
     <p:embeddedFont>
-      <p:font typeface="Nunito" pitchFamily="2" charset="77"/>
+      <p:font typeface="Lato" panose="020F0502020204030203" pitchFamily="34" charset="0"/>
       <p:regular r:id="rId34"/>
       <p:bold r:id="rId35"/>
       <p:italic r:id="rId36"/>
       <p:boldItalic r:id="rId37"/>
     </p:embeddedFont>
     <p:embeddedFont>
+      <p:font typeface="Nunito" pitchFamily="2" charset="77"/>
+      <p:regular r:id="rId38"/>
+      <p:bold r:id="rId39"/>
+      <p:italic r:id="rId40"/>
+      <p:boldItalic r:id="rId41"/>
+    </p:embeddedFont>
+    <p:embeddedFont>
       <p:font typeface="Questrial" pitchFamily="2" charset="77"/>
-      <p:regular r:id="rId38"/>
+      <p:regular r:id="rId42"/>
     </p:embeddedFont>
     <p:embeddedFont>
       <p:font typeface="Tw Cen MT" panose="020B0602020104020603" pitchFamily="34" charset="77"/>
-      <p:regular r:id="rId39"/>
-      <p:bold r:id="rId40"/>
-      <p:italic r:id="rId41"/>
-      <p:boldItalic r:id="rId42"/>
+      <p:regular r:id="rId43"/>
+      <p:bold r:id="rId44"/>
+      <p:italic r:id="rId45"/>
+      <p:boldItalic r:id="rId46"/>
     </p:embeddedFont>
   </p:embeddedFontLst>
   <p:defaultTextStyle>
@@ -1111,7 +1118,7 @@
     </p:spTree>
     <p:extLst>
       <p:ext uri="{BB962C8B-B14F-4D97-AF65-F5344CB8AC3E}">
-        <p14:creationId xmlns:p14="http://schemas.microsoft.com/office/powerpoint/2010/main" val="3232452747"/>
+        <p14:creationId xmlns:p14="http://schemas.microsoft.com/office/powerpoint/2010/main" val="108068303"/>
       </p:ext>
     </p:extLst>
   </p:cSld>
@@ -1238,7 +1245,7 @@
     </p:spTree>
     <p:extLst>
       <p:ext uri="{BB962C8B-B14F-4D97-AF65-F5344CB8AC3E}">
-        <p14:creationId xmlns:p14="http://schemas.microsoft.com/office/powerpoint/2010/main" val="108068303"/>
+        <p14:creationId xmlns:p14="http://schemas.microsoft.com/office/powerpoint/2010/main" val="207950801"/>
       </p:ext>
     </p:extLst>
   </p:cSld>
@@ -1365,7 +1372,7 @@
     </p:spTree>
     <p:extLst>
       <p:ext uri="{BB962C8B-B14F-4D97-AF65-F5344CB8AC3E}">
-        <p14:creationId xmlns:p14="http://schemas.microsoft.com/office/powerpoint/2010/main" val="207950801"/>
+        <p14:creationId xmlns:p14="http://schemas.microsoft.com/office/powerpoint/2010/main" val="3679095981"/>
       </p:ext>
     </p:extLst>
   </p:cSld>
@@ -1492,7 +1499,7 @@
     </p:spTree>
     <p:extLst>
       <p:ext uri="{BB962C8B-B14F-4D97-AF65-F5344CB8AC3E}">
-        <p14:creationId xmlns:p14="http://schemas.microsoft.com/office/powerpoint/2010/main" val="3679095981"/>
+        <p14:creationId xmlns:p14="http://schemas.microsoft.com/office/powerpoint/2010/main" val="4041364732"/>
       </p:ext>
     </p:extLst>
   </p:cSld>
@@ -1510,7 +1517,7 @@
         <p:cNvPr id="1" name="Shape 154">
           <a:extLst>
             <a:ext uri="{FF2B5EF4-FFF2-40B4-BE49-F238E27FC236}">
-              <a16:creationId xmlns:a16="http://schemas.microsoft.com/office/drawing/2014/main" id="{E969BEFE-AB2A-B3A6-417B-47388F6817B9}"/>
+              <a16:creationId xmlns:a16="http://schemas.microsoft.com/office/drawing/2014/main" id="{25250E52-65C5-4A1A-8187-C1543146BE1C}"/>
             </a:ext>
           </a:extLst>
         </p:cNvPr>
@@ -1530,7 +1537,7 @@
           <p:cNvPr id="155" name="Google Shape;155;ge1d838b627_4_100:notes">
             <a:extLst>
               <a:ext uri="{FF2B5EF4-FFF2-40B4-BE49-F238E27FC236}">
-                <a16:creationId xmlns:a16="http://schemas.microsoft.com/office/drawing/2014/main" id="{5DF04853-5C04-1A18-F3E2-653403BBC4DE}"/>
+                <a16:creationId xmlns:a16="http://schemas.microsoft.com/office/drawing/2014/main" id="{97F36F11-55BF-C8EF-F9B1-AC67782B1C0F}"/>
               </a:ext>
             </a:extLst>
           </p:cNvPr>
@@ -1577,7 +1584,7 @@
           <p:cNvPr id="156" name="Google Shape;156;ge1d838b627_4_100:notes">
             <a:extLst>
               <a:ext uri="{FF2B5EF4-FFF2-40B4-BE49-F238E27FC236}">
-                <a16:creationId xmlns:a16="http://schemas.microsoft.com/office/drawing/2014/main" id="{A19D9157-7763-F5E2-6347-D6475F5D96C3}"/>
+                <a16:creationId xmlns:a16="http://schemas.microsoft.com/office/drawing/2014/main" id="{0782BE8C-1084-CA11-A368-A33DE3C502ED}"/>
               </a:ext>
             </a:extLst>
           </p:cNvPr>
@@ -1619,7 +1626,7 @@
     </p:spTree>
     <p:extLst>
       <p:ext uri="{BB962C8B-B14F-4D97-AF65-F5344CB8AC3E}">
-        <p14:creationId xmlns:p14="http://schemas.microsoft.com/office/powerpoint/2010/main" val="4041364732"/>
+        <p14:creationId xmlns:p14="http://schemas.microsoft.com/office/powerpoint/2010/main" val="452681831"/>
       </p:ext>
     </p:extLst>
   </p:cSld>
@@ -2000,7 +2007,7 @@
         <p:cNvPr id="1" name="Shape 154">
           <a:extLst>
             <a:ext uri="{FF2B5EF4-FFF2-40B4-BE49-F238E27FC236}">
-              <a16:creationId xmlns:a16="http://schemas.microsoft.com/office/drawing/2014/main" id="{E969BEFE-AB2A-B3A6-417B-47388F6817B9}"/>
+              <a16:creationId xmlns:a16="http://schemas.microsoft.com/office/drawing/2014/main" id="{0133BE72-E492-C55E-9A9F-17B119427746}"/>
             </a:ext>
           </a:extLst>
         </p:cNvPr>
@@ -2020,7 +2027,7 @@
           <p:cNvPr id="155" name="Google Shape;155;ge1d838b627_4_100:notes">
             <a:extLst>
               <a:ext uri="{FF2B5EF4-FFF2-40B4-BE49-F238E27FC236}">
-                <a16:creationId xmlns:a16="http://schemas.microsoft.com/office/drawing/2014/main" id="{5DF04853-5C04-1A18-F3E2-653403BBC4DE}"/>
+                <a16:creationId xmlns:a16="http://schemas.microsoft.com/office/drawing/2014/main" id="{1DFFC3E3-DE1F-E94E-7472-D6D6FFF40372}"/>
               </a:ext>
             </a:extLst>
           </p:cNvPr>
@@ -2067,7 +2074,7 @@
           <p:cNvPr id="156" name="Google Shape;156;ge1d838b627_4_100:notes">
             <a:extLst>
               <a:ext uri="{FF2B5EF4-FFF2-40B4-BE49-F238E27FC236}">
-                <a16:creationId xmlns:a16="http://schemas.microsoft.com/office/drawing/2014/main" id="{A19D9157-7763-F5E2-6347-D6475F5D96C3}"/>
+                <a16:creationId xmlns:a16="http://schemas.microsoft.com/office/drawing/2014/main" id="{CC60E062-0B76-EF9A-9073-631B5C629EAA}"/>
               </a:ext>
             </a:extLst>
           </p:cNvPr>
@@ -2109,7 +2116,7 @@
     </p:spTree>
     <p:extLst>
       <p:ext uri="{BB962C8B-B14F-4D97-AF65-F5344CB8AC3E}">
-        <p14:creationId xmlns:p14="http://schemas.microsoft.com/office/powerpoint/2010/main" val="2587575009"/>
+        <p14:creationId xmlns:p14="http://schemas.microsoft.com/office/powerpoint/2010/main" val="1429567176"/>
       </p:ext>
     </p:extLst>
   </p:cSld>
@@ -2508,7 +2515,7 @@
         <p:cNvPr id="1" name="Shape 154">
           <a:extLst>
             <a:ext uri="{FF2B5EF4-FFF2-40B4-BE49-F238E27FC236}">
-              <a16:creationId xmlns:a16="http://schemas.microsoft.com/office/drawing/2014/main" id="{E969BEFE-AB2A-B3A6-417B-47388F6817B9}"/>
+              <a16:creationId xmlns:a16="http://schemas.microsoft.com/office/drawing/2014/main" id="{8AE8F174-B47F-5462-EEEB-07855EFE3CF1}"/>
             </a:ext>
           </a:extLst>
         </p:cNvPr>
@@ -2528,7 +2535,7 @@
           <p:cNvPr id="155" name="Google Shape;155;ge1d838b627_4_100:notes">
             <a:extLst>
               <a:ext uri="{FF2B5EF4-FFF2-40B4-BE49-F238E27FC236}">
-                <a16:creationId xmlns:a16="http://schemas.microsoft.com/office/drawing/2014/main" id="{5DF04853-5C04-1A18-F3E2-653403BBC4DE}"/>
+                <a16:creationId xmlns:a16="http://schemas.microsoft.com/office/drawing/2014/main" id="{3322B9D0-BBED-1357-58F7-FA1E9477DB9B}"/>
               </a:ext>
             </a:extLst>
           </p:cNvPr>
@@ -2575,7 +2582,7 @@
           <p:cNvPr id="156" name="Google Shape;156;ge1d838b627_4_100:notes">
             <a:extLst>
               <a:ext uri="{FF2B5EF4-FFF2-40B4-BE49-F238E27FC236}">
-                <a16:creationId xmlns:a16="http://schemas.microsoft.com/office/drawing/2014/main" id="{A19D9157-7763-F5E2-6347-D6475F5D96C3}"/>
+                <a16:creationId xmlns:a16="http://schemas.microsoft.com/office/drawing/2014/main" id="{9403623A-BC63-50AA-FD61-F0C4E3E73DA2}"/>
               </a:ext>
             </a:extLst>
           </p:cNvPr>
@@ -2617,7 +2624,7 @@
     </p:spTree>
     <p:extLst>
       <p:ext uri="{BB962C8B-B14F-4D97-AF65-F5344CB8AC3E}">
-        <p14:creationId xmlns:p14="http://schemas.microsoft.com/office/powerpoint/2010/main" val="3097158215"/>
+        <p14:creationId xmlns:p14="http://schemas.microsoft.com/office/powerpoint/2010/main" val="298995689"/>
       </p:ext>
     </p:extLst>
   </p:cSld>
@@ -3397,7 +3404,7 @@
         <p:cNvPr id="1" name="Shape 154">
           <a:extLst>
             <a:ext uri="{FF2B5EF4-FFF2-40B4-BE49-F238E27FC236}">
-              <a16:creationId xmlns:a16="http://schemas.microsoft.com/office/drawing/2014/main" id="{135AFFA9-CCC7-9839-AD53-790CED7D9424}"/>
+              <a16:creationId xmlns:a16="http://schemas.microsoft.com/office/drawing/2014/main" id="{E969BEFE-AB2A-B3A6-417B-47388F6817B9}"/>
             </a:ext>
           </a:extLst>
         </p:cNvPr>
@@ -3417,7 +3424,7 @@
           <p:cNvPr id="155" name="Google Shape;155;ge1d838b627_4_100:notes">
             <a:extLst>
               <a:ext uri="{FF2B5EF4-FFF2-40B4-BE49-F238E27FC236}">
-                <a16:creationId xmlns:a16="http://schemas.microsoft.com/office/drawing/2014/main" id="{53A821B1-5D1D-5310-AE56-1EDE4CD17EFD}"/>
+                <a16:creationId xmlns:a16="http://schemas.microsoft.com/office/drawing/2014/main" id="{5DF04853-5C04-1A18-F3E2-653403BBC4DE}"/>
               </a:ext>
             </a:extLst>
           </p:cNvPr>
@@ -3464,7 +3471,7 @@
           <p:cNvPr id="156" name="Google Shape;156;ge1d838b627_4_100:notes">
             <a:extLst>
               <a:ext uri="{FF2B5EF4-FFF2-40B4-BE49-F238E27FC236}">
-                <a16:creationId xmlns:a16="http://schemas.microsoft.com/office/drawing/2014/main" id="{163B73E1-F0A6-6BD4-0A3F-CE3E0B418DC6}"/>
+                <a16:creationId xmlns:a16="http://schemas.microsoft.com/office/drawing/2014/main" id="{A19D9157-7763-F5E2-6347-D6475F5D96C3}"/>
               </a:ext>
             </a:extLst>
           </p:cNvPr>
@@ -3506,7 +3513,7 @@
     </p:spTree>
     <p:extLst>
       <p:ext uri="{BB962C8B-B14F-4D97-AF65-F5344CB8AC3E}">
-        <p14:creationId xmlns:p14="http://schemas.microsoft.com/office/powerpoint/2010/main" val="53089795"/>
+        <p14:creationId xmlns:p14="http://schemas.microsoft.com/office/powerpoint/2010/main" val="2203535690"/>
       </p:ext>
     </p:extLst>
   </p:cSld>
@@ -3633,7 +3640,7 @@
     </p:spTree>
     <p:extLst>
       <p:ext uri="{BB962C8B-B14F-4D97-AF65-F5344CB8AC3E}">
-        <p14:creationId xmlns:p14="http://schemas.microsoft.com/office/powerpoint/2010/main" val="2203535690"/>
+        <p14:creationId xmlns:p14="http://schemas.microsoft.com/office/powerpoint/2010/main" val="3056590955"/>
       </p:ext>
     </p:extLst>
   </p:cSld>
@@ -3760,7 +3767,7 @@
     </p:spTree>
     <p:extLst>
       <p:ext uri="{BB962C8B-B14F-4D97-AF65-F5344CB8AC3E}">
-        <p14:creationId xmlns:p14="http://schemas.microsoft.com/office/powerpoint/2010/main" val="3056590955"/>
+        <p14:creationId xmlns:p14="http://schemas.microsoft.com/office/powerpoint/2010/main" val="427384753"/>
       </p:ext>
     </p:extLst>
   </p:cSld>
@@ -3887,7 +3894,7 @@
     </p:spTree>
     <p:extLst>
       <p:ext uri="{BB962C8B-B14F-4D97-AF65-F5344CB8AC3E}">
-        <p14:creationId xmlns:p14="http://schemas.microsoft.com/office/powerpoint/2010/main" val="427384753"/>
+        <p14:creationId xmlns:p14="http://schemas.microsoft.com/office/powerpoint/2010/main" val="1086381542"/>
       </p:ext>
     </p:extLst>
   </p:cSld>
@@ -4014,7 +4021,7 @@
     </p:spTree>
     <p:extLst>
       <p:ext uri="{BB962C8B-B14F-4D97-AF65-F5344CB8AC3E}">
-        <p14:creationId xmlns:p14="http://schemas.microsoft.com/office/powerpoint/2010/main" val="1086381542"/>
+        <p14:creationId xmlns:p14="http://schemas.microsoft.com/office/powerpoint/2010/main" val="4261081398"/>
       </p:ext>
     </p:extLst>
   </p:cSld>
@@ -4141,7 +4148,7 @@
     </p:spTree>
     <p:extLst>
       <p:ext uri="{BB962C8B-B14F-4D97-AF65-F5344CB8AC3E}">
-        <p14:creationId xmlns:p14="http://schemas.microsoft.com/office/powerpoint/2010/main" val="4261081398"/>
+        <p14:creationId xmlns:p14="http://schemas.microsoft.com/office/powerpoint/2010/main" val="4060128953"/>
       </p:ext>
     </p:extLst>
   </p:cSld>
@@ -4268,7 +4275,7 @@
     </p:spTree>
     <p:extLst>
       <p:ext uri="{BB962C8B-B14F-4D97-AF65-F5344CB8AC3E}">
-        <p14:creationId xmlns:p14="http://schemas.microsoft.com/office/powerpoint/2010/main" val="4060128953"/>
+        <p14:creationId xmlns:p14="http://schemas.microsoft.com/office/powerpoint/2010/main" val="3232452747"/>
       </p:ext>
     </p:extLst>
   </p:cSld>
@@ -8422,7 +8429,7 @@
             </a:pPr>
             <a:r>
               <a:rPr lang="es" dirty="0"/>
-              <a:t>Machine Readable</a:t>
+              <a:t>Examples: Data</a:t>
             </a:r>
             <a:endParaRPr b="0" dirty="0"/>
           </a:p>
@@ -8447,7 +8454,7 @@
         <p:spPr>
           <a:xfrm>
             <a:off x="710749" y="1273174"/>
-            <a:ext cx="3861252" cy="3107237"/>
+            <a:ext cx="6951692" cy="3107237"/>
           </a:xfrm>
           <a:prstGeom prst="rect">
             <a:avLst/>
@@ -8470,20 +8477,13 @@
               <a:buChar char="•"/>
             </a:pPr>
             <a:r>
-              <a:rPr lang="es" sz="1600" dirty="0"/>
-              <a:t>How will a computer sort your file names?</a:t>
-            </a:r>
-          </a:p>
-          <a:p>
-            <a:pPr marL="0" lvl="0" indent="0" algn="l" rtl="0">
-              <a:spcBef>
-                <a:spcPts val="0"/>
-              </a:spcBef>
-              <a:spcAft>
-                <a:spcPts val="0"/>
-              </a:spcAft>
-            </a:pPr>
-            <a:endParaRPr lang="es" sz="1600" dirty="0"/>
+              <a:rPr lang="es" sz="1800" b="1" dirty="0"/>
+              <a:t>Example: </a:t>
+            </a:r>
+            <a:r>
+              <a:rPr lang="es" sz="1800" dirty="0"/>
+              <a:t>lldr_mpp_20240723.csv</a:t>
+            </a:r>
           </a:p>
           <a:p>
             <a:pPr marL="285750" lvl="0" indent="-285750" algn="l" rtl="0">
@@ -8496,10 +8496,75 @@
               <a:buFont typeface="Arial" panose="020B0604020202020204" pitchFamily="34" charset="0"/>
               <a:buChar char="•"/>
             </a:pPr>
-            <a:r>
-              <a:rPr lang="es" sz="1600" dirty="0"/>
-              <a:t>If files move from one computer / application / operating system to another, will they remain interpretable in the same way?</a:t>
-            </a:r>
+            <a:endParaRPr lang="es" sz="1800" b="1" dirty="0"/>
+          </a:p>
+          <a:p>
+            <a:pPr marL="285750" lvl="0" indent="-285750" algn="l" rtl="0">
+              <a:spcBef>
+                <a:spcPts val="0"/>
+              </a:spcBef>
+              <a:spcAft>
+                <a:spcPts val="0"/>
+              </a:spcAft>
+              <a:buFont typeface="Arial" panose="020B0604020202020204" pitchFamily="34" charset="0"/>
+              <a:buChar char="•"/>
+            </a:pPr>
+            <a:r>
+              <a:rPr lang="es" sz="1800" b="1" dirty="0"/>
+              <a:t>Documentation:</a:t>
+            </a:r>
+          </a:p>
+          <a:p>
+            <a:pPr marL="742950" lvl="1" indent="-285750" algn="l">
+              <a:lnSpc>
+                <a:spcPct val="150000"/>
+              </a:lnSpc>
+              <a:buFont typeface="Arial" panose="020B0604020202020204" pitchFamily="34" charset="0"/>
+              <a:buChar char="•"/>
+            </a:pPr>
+            <a:r>
+              <a:rPr lang="es" sz="1800" i="1" u="sng" dirty="0"/>
+              <a:t>Convention</a:t>
+            </a:r>
+            <a:r>
+              <a:rPr lang="es" sz="1800" dirty="0"/>
+              <a:t>: project_location_collection-date.file-type</a:t>
+            </a:r>
+          </a:p>
+          <a:p>
+            <a:pPr marL="742950" lvl="1" indent="-285750" algn="l">
+              <a:lnSpc>
+                <a:spcPct val="150000"/>
+              </a:lnSpc>
+              <a:buFont typeface="Arial" panose="020B0604020202020204" pitchFamily="34" charset="0"/>
+              <a:buChar char="•"/>
+            </a:pPr>
+            <a:r>
+              <a:rPr lang="en-CA" sz="1800" i="1" u="sng" dirty="0"/>
+              <a:t>lldr</a:t>
+            </a:r>
+            <a:r>
+              <a:rPr lang="en-CA" sz="1800" dirty="0"/>
+              <a:t>: Leaf Litter Decomposition rate</a:t>
+            </a:r>
+          </a:p>
+          <a:p>
+            <a:pPr marL="742950" lvl="1" indent="-285750" algn="l">
+              <a:lnSpc>
+                <a:spcPct val="150000"/>
+              </a:lnSpc>
+              <a:buFont typeface="Arial" panose="020B0604020202020204" pitchFamily="34" charset="0"/>
+              <a:buChar char="•"/>
+            </a:pPr>
+            <a:r>
+              <a:rPr lang="en-CA" sz="1800" i="1" u="sng" dirty="0"/>
+              <a:t>mpp</a:t>
+            </a:r>
+            <a:r>
+              <a:rPr lang="en-CA" sz="1800" dirty="0"/>
+              <a:t>: Monk Provincial Park</a:t>
+            </a:r>
+            <a:endParaRPr lang="es" sz="1800" dirty="0"/>
           </a:p>
         </p:txBody>
       </p:sp>
@@ -8537,432 +8602,10 @@
           </a:ln>
         </p:spPr>
       </p:cxnSp>
-      <p:sp>
-        <p:nvSpPr>
-          <p:cNvPr id="4" name="Rectangle 3">
-            <a:extLst>
-              <a:ext uri="{FF2B5EF4-FFF2-40B4-BE49-F238E27FC236}">
-                <a16:creationId xmlns:a16="http://schemas.microsoft.com/office/drawing/2014/main" id="{2F618B81-67AE-74B9-AFD3-0CF35B27C739}"/>
-              </a:ext>
-            </a:extLst>
-          </p:cNvPr>
-          <p:cNvSpPr/>
-          <p:nvPr/>
-        </p:nvSpPr>
-        <p:spPr>
-          <a:xfrm>
-            <a:off x="4705310" y="1273173"/>
-            <a:ext cx="3508021" cy="2946563"/>
-          </a:xfrm>
-          <a:prstGeom prst="rect">
-            <a:avLst/>
-          </a:prstGeom>
-          <a:solidFill>
-            <a:srgbClr val="76D6FF"/>
-          </a:solidFill>
-        </p:spPr>
-        <p:style>
-          <a:lnRef idx="2">
-            <a:schemeClr val="accent1">
-              <a:shade val="50000"/>
-            </a:schemeClr>
-          </a:lnRef>
-          <a:fillRef idx="1">
-            <a:schemeClr val="accent1"/>
-          </a:fillRef>
-          <a:effectRef idx="0">
-            <a:schemeClr val="accent1"/>
-          </a:effectRef>
-          <a:fontRef idx="minor">
-            <a:schemeClr val="lt1"/>
-          </a:fontRef>
-        </p:style>
-        <p:txBody>
-          <a:bodyPr rtlCol="0" anchor="ctr"/>
-          <a:lstStyle/>
-          <a:p>
-            <a:pPr algn="ctr"/>
-            <a:endParaRPr lang="en-CA" dirty="0"/>
-          </a:p>
-        </p:txBody>
-      </p:sp>
-      <p:sp>
-        <p:nvSpPr>
-          <p:cNvPr id="7" name="Google Shape;80;p16">
-            <a:extLst>
-              <a:ext uri="{FF2B5EF4-FFF2-40B4-BE49-F238E27FC236}">
-                <a16:creationId xmlns:a16="http://schemas.microsoft.com/office/drawing/2014/main" id="{3B72E184-C10A-F187-DC04-B345A3D4B9A4}"/>
-              </a:ext>
-            </a:extLst>
-          </p:cNvPr>
-          <p:cNvSpPr txBox="1">
-            <a:spLocks/>
-          </p:cNvSpPr>
-          <p:nvPr/>
-        </p:nvSpPr>
-        <p:spPr>
-          <a:xfrm>
-            <a:off x="4943854" y="1273174"/>
-            <a:ext cx="3100551" cy="3695100"/>
-          </a:xfrm>
-          <a:prstGeom prst="rect">
-            <a:avLst/>
-          </a:prstGeom>
-        </p:spPr>
-        <p:txBody>
-          <a:bodyPr spcFirstLastPara="1" wrap="square" lIns="91425" tIns="91425" rIns="91425" bIns="91425" anchor="t" anchorCtr="0">
-            <a:noAutofit/>
-          </a:bodyPr>
-          <a:lstStyle>
-            <a:lvl1pPr marL="91440" indent="-91440" algn="l" defTabSz="914400" rtl="0" eaLnBrk="1" latinLnBrk="0" hangingPunct="1">
-              <a:lnSpc>
-                <a:spcPct val="90000"/>
-              </a:lnSpc>
-              <a:spcBef>
-                <a:spcPts val="1200"/>
-              </a:spcBef>
-              <a:spcAft>
-                <a:spcPts val="200"/>
-              </a:spcAft>
-              <a:buClr>
-                <a:schemeClr val="accent1"/>
-              </a:buClr>
-              <a:buSzPct val="100000"/>
-              <a:buFont typeface="Tw Cen MT" panose="020B0602020104020603" pitchFamily="34" charset="0"/>
-              <a:buChar char=" "/>
-              <a:defRPr sz="2200" kern="1200">
-                <a:solidFill>
-                  <a:schemeClr val="tx1"/>
-                </a:solidFill>
-                <a:latin typeface="+mn-lt"/>
-                <a:ea typeface="+mn-ea"/>
-                <a:cs typeface="+mn-cs"/>
-              </a:defRPr>
-            </a:lvl1pPr>
-            <a:lvl2pPr marL="265176" indent="-137160" algn="l" defTabSz="914400" rtl="0" eaLnBrk="1" latinLnBrk="0" hangingPunct="1">
-              <a:lnSpc>
-                <a:spcPct val="90000"/>
-              </a:lnSpc>
-              <a:spcBef>
-                <a:spcPts val="200"/>
-              </a:spcBef>
-              <a:spcAft>
-                <a:spcPts val="400"/>
-              </a:spcAft>
-              <a:buClr>
-                <a:schemeClr val="accent1"/>
-              </a:buClr>
-              <a:buFont typeface="Wingdings 3" pitchFamily="18" charset="2"/>
-              <a:buChar char=""/>
-              <a:defRPr sz="1800" kern="1200">
-                <a:solidFill>
-                  <a:schemeClr val="tx1"/>
-                </a:solidFill>
-                <a:latin typeface="+mn-lt"/>
-                <a:ea typeface="+mn-ea"/>
-                <a:cs typeface="+mn-cs"/>
-              </a:defRPr>
-            </a:lvl2pPr>
-            <a:lvl3pPr marL="448056" indent="-137160" algn="l" defTabSz="914400" rtl="0" eaLnBrk="1" latinLnBrk="0" hangingPunct="1">
-              <a:lnSpc>
-                <a:spcPct val="90000"/>
-              </a:lnSpc>
-              <a:spcBef>
-                <a:spcPts val="200"/>
-              </a:spcBef>
-              <a:spcAft>
-                <a:spcPts val="400"/>
-              </a:spcAft>
-              <a:buClr>
-                <a:schemeClr val="accent1"/>
-              </a:buClr>
-              <a:buFont typeface="Wingdings 3" pitchFamily="18" charset="2"/>
-              <a:buChar char=""/>
-              <a:defRPr sz="1400" kern="1200">
-                <a:solidFill>
-                  <a:schemeClr val="tx1"/>
-                </a:solidFill>
-                <a:latin typeface="+mn-lt"/>
-                <a:ea typeface="+mn-ea"/>
-                <a:cs typeface="+mn-cs"/>
-              </a:defRPr>
-            </a:lvl3pPr>
-            <a:lvl4pPr marL="594360" indent="-137160" algn="l" defTabSz="914400" rtl="0" eaLnBrk="1" latinLnBrk="0" hangingPunct="1">
-              <a:lnSpc>
-                <a:spcPct val="90000"/>
-              </a:lnSpc>
-              <a:spcBef>
-                <a:spcPts val="200"/>
-              </a:spcBef>
-              <a:spcAft>
-                <a:spcPts val="400"/>
-              </a:spcAft>
-              <a:buClr>
-                <a:schemeClr val="accent1"/>
-              </a:buClr>
-              <a:buFont typeface="Wingdings 3" pitchFamily="18" charset="2"/>
-              <a:buChar char=""/>
-              <a:defRPr sz="1400" kern="1200">
-                <a:solidFill>
-                  <a:schemeClr val="tx1"/>
-                </a:solidFill>
-                <a:latin typeface="+mn-lt"/>
-                <a:ea typeface="+mn-ea"/>
-                <a:cs typeface="+mn-cs"/>
-              </a:defRPr>
-            </a:lvl4pPr>
-            <a:lvl5pPr marL="777240" indent="-137160" algn="l" defTabSz="914400" rtl="0" eaLnBrk="1" latinLnBrk="0" hangingPunct="1">
-              <a:lnSpc>
-                <a:spcPct val="90000"/>
-              </a:lnSpc>
-              <a:spcBef>
-                <a:spcPts val="200"/>
-              </a:spcBef>
-              <a:spcAft>
-                <a:spcPts val="400"/>
-              </a:spcAft>
-              <a:buClr>
-                <a:schemeClr val="accent1"/>
-              </a:buClr>
-              <a:buFont typeface="Wingdings 3" pitchFamily="18" charset="2"/>
-              <a:buChar char=""/>
-              <a:defRPr sz="1400" kern="1200">
-                <a:solidFill>
-                  <a:schemeClr val="tx1"/>
-                </a:solidFill>
-                <a:latin typeface="+mn-lt"/>
-                <a:ea typeface="+mn-ea"/>
-                <a:cs typeface="+mn-cs"/>
-              </a:defRPr>
-            </a:lvl5pPr>
-            <a:lvl6pPr marL="914400" indent="-137160" algn="l" defTabSz="914400" rtl="0" eaLnBrk="1" latinLnBrk="0" hangingPunct="1">
-              <a:lnSpc>
-                <a:spcPct val="90000"/>
-              </a:lnSpc>
-              <a:spcBef>
-                <a:spcPts val="200"/>
-              </a:spcBef>
-              <a:spcAft>
-                <a:spcPts val="400"/>
-              </a:spcAft>
-              <a:buClr>
-                <a:schemeClr val="accent1"/>
-              </a:buClr>
-              <a:buFont typeface="Wingdings 3" pitchFamily="18" charset="2"/>
-              <a:buChar char=""/>
-              <a:defRPr sz="1400" kern="1200">
-                <a:solidFill>
-                  <a:schemeClr val="tx1"/>
-                </a:solidFill>
-                <a:latin typeface="+mn-lt"/>
-                <a:ea typeface="+mn-ea"/>
-                <a:cs typeface="+mn-cs"/>
-              </a:defRPr>
-            </a:lvl6pPr>
-            <a:lvl7pPr marL="1060704" indent="-137160" algn="l" defTabSz="914400" rtl="0" eaLnBrk="1" latinLnBrk="0" hangingPunct="1">
-              <a:lnSpc>
-                <a:spcPct val="90000"/>
-              </a:lnSpc>
-              <a:spcBef>
-                <a:spcPts val="200"/>
-              </a:spcBef>
-              <a:spcAft>
-                <a:spcPts val="400"/>
-              </a:spcAft>
-              <a:buClr>
-                <a:schemeClr val="accent1"/>
-              </a:buClr>
-              <a:buFont typeface="Wingdings 3" pitchFamily="18" charset="2"/>
-              <a:buChar char=""/>
-              <a:defRPr sz="1400" kern="1200">
-                <a:solidFill>
-                  <a:schemeClr val="tx1"/>
-                </a:solidFill>
-                <a:latin typeface="+mn-lt"/>
-                <a:ea typeface="+mn-ea"/>
-                <a:cs typeface="+mn-cs"/>
-              </a:defRPr>
-            </a:lvl7pPr>
-            <a:lvl8pPr marL="1216152" indent="-137160" algn="l" defTabSz="914400" rtl="0" eaLnBrk="1" latinLnBrk="0" hangingPunct="1">
-              <a:lnSpc>
-                <a:spcPct val="90000"/>
-              </a:lnSpc>
-              <a:spcBef>
-                <a:spcPts val="200"/>
-              </a:spcBef>
-              <a:spcAft>
-                <a:spcPts val="400"/>
-              </a:spcAft>
-              <a:buClr>
-                <a:schemeClr val="accent1"/>
-              </a:buClr>
-              <a:buFont typeface="Wingdings 3" pitchFamily="18" charset="2"/>
-              <a:buChar char=""/>
-              <a:defRPr sz="1400" kern="1200">
-                <a:solidFill>
-                  <a:schemeClr val="tx1"/>
-                </a:solidFill>
-                <a:latin typeface="+mn-lt"/>
-                <a:ea typeface="+mn-ea"/>
-                <a:cs typeface="+mn-cs"/>
-              </a:defRPr>
-            </a:lvl8pPr>
-            <a:lvl9pPr marL="1362456" indent="-137160" algn="l" defTabSz="914400" rtl="0" eaLnBrk="1" latinLnBrk="0" hangingPunct="1">
-              <a:lnSpc>
-                <a:spcPct val="90000"/>
-              </a:lnSpc>
-              <a:spcBef>
-                <a:spcPts val="200"/>
-              </a:spcBef>
-              <a:spcAft>
-                <a:spcPts val="400"/>
-              </a:spcAft>
-              <a:buClr>
-                <a:schemeClr val="accent1"/>
-              </a:buClr>
-              <a:buFont typeface="Wingdings 3" pitchFamily="18" charset="2"/>
-              <a:buChar char=""/>
-              <a:defRPr sz="1400" kern="1200">
-                <a:solidFill>
-                  <a:schemeClr val="tx1"/>
-                </a:solidFill>
-                <a:latin typeface="+mn-lt"/>
-                <a:ea typeface="+mn-ea"/>
-                <a:cs typeface="+mn-cs"/>
-              </a:defRPr>
-            </a:lvl9pPr>
-          </a:lstStyle>
-          <a:p>
-            <a:pPr marL="0" indent="0">
-              <a:spcBef>
-                <a:spcPts val="800"/>
-              </a:spcBef>
-              <a:spcAft>
-                <a:spcPts val="1600"/>
-              </a:spcAft>
-              <a:buFont typeface="Tw Cen MT" panose="020B0602020104020603" pitchFamily="34" charset="0"/>
-              <a:buNone/>
-            </a:pPr>
-            <a:r>
-              <a:rPr lang="en-US" sz="1200" b="1" dirty="0"/>
-              <a:t>Machine Readable Qualities:</a:t>
-            </a:r>
-          </a:p>
-          <a:p>
-            <a:pPr>
-              <a:lnSpc>
-                <a:spcPct val="100000"/>
-              </a:lnSpc>
-              <a:spcBef>
-                <a:spcPts val="800"/>
-              </a:spcBef>
-              <a:buFont typeface="Arial" panose="020B0604020202020204" pitchFamily="34" charset="0"/>
-              <a:buChar char="•"/>
-            </a:pPr>
-            <a:r>
-              <a:rPr lang="en-US" sz="1200" dirty="0"/>
-              <a:t>Only contain letters in the English alphabet, numbers 0-9, dashes -, and underscores _</a:t>
-            </a:r>
-          </a:p>
-          <a:p>
-            <a:pPr>
-              <a:lnSpc>
-                <a:spcPct val="100000"/>
-              </a:lnSpc>
-              <a:spcBef>
-                <a:spcPts val="800"/>
-              </a:spcBef>
-              <a:buFont typeface="Arial" panose="020B0604020202020204" pitchFamily="34" charset="0"/>
-              <a:buChar char="•"/>
-            </a:pPr>
-            <a:r>
-              <a:rPr lang="en-US" sz="1200" dirty="0"/>
-              <a:t>Do not use spaces or special characters such as: !@#$%^&amp;*()+={}[]|</a:t>
-            </a:r>
-          </a:p>
-          <a:p>
-            <a:pPr>
-              <a:lnSpc>
-                <a:spcPct val="100000"/>
-              </a:lnSpc>
-              <a:spcBef>
-                <a:spcPts val="800"/>
-              </a:spcBef>
-              <a:buFont typeface="Arial" panose="020B0604020202020204" pitchFamily="34" charset="0"/>
-              <a:buChar char="•"/>
-            </a:pPr>
-            <a:r>
-              <a:rPr lang="en-US" sz="1200" dirty="0"/>
-              <a:t>Separate naming elements with underscores and dashes</a:t>
-            </a:r>
-          </a:p>
-          <a:p>
-            <a:pPr>
-              <a:lnSpc>
-                <a:spcPct val="100000"/>
-              </a:lnSpc>
-              <a:spcBef>
-                <a:spcPts val="800"/>
-              </a:spcBef>
-              <a:buFont typeface="Arial" panose="020B0604020202020204" pitchFamily="34" charset="0"/>
-              <a:buChar char="•"/>
-            </a:pPr>
-            <a:r>
-              <a:rPr lang="en-US" sz="1200" dirty="0"/>
-              <a:t>Use date format:		 </a:t>
-            </a:r>
-            <a:r>
-              <a:rPr lang="en-US" sz="1200" b="1" dirty="0"/>
-              <a:t>YYYYMMDD</a:t>
-            </a:r>
-            <a:r>
-              <a:rPr lang="en-US" sz="1200" dirty="0"/>
-              <a:t> or </a:t>
-            </a:r>
-            <a:r>
-              <a:rPr lang="en-US" sz="1200" b="1" dirty="0"/>
-              <a:t>YYYY-MM-DD</a:t>
-            </a:r>
-          </a:p>
-          <a:p>
-            <a:pPr marL="285750" indent="-285750">
-              <a:lnSpc>
-                <a:spcPct val="100000"/>
-              </a:lnSpc>
-              <a:spcBef>
-                <a:spcPts val="800"/>
-              </a:spcBef>
-            </a:pPr>
-            <a:endParaRPr lang="en-US" sz="1200" dirty="0"/>
-          </a:p>
-          <a:p>
-            <a:pPr marL="285750" indent="-285750">
-              <a:lnSpc>
-                <a:spcPct val="100000"/>
-              </a:lnSpc>
-              <a:spcBef>
-                <a:spcPts val="800"/>
-              </a:spcBef>
-            </a:pPr>
-            <a:endParaRPr lang="en-US" sz="1200" dirty="0"/>
-          </a:p>
-          <a:p>
-            <a:pPr marL="285750" indent="-285750">
-              <a:spcBef>
-                <a:spcPts val="800"/>
-              </a:spcBef>
-              <a:spcAft>
-                <a:spcPts val="1600"/>
-              </a:spcAft>
-            </a:pPr>
-            <a:endParaRPr lang="en-US" sz="1500" dirty="0"/>
-          </a:p>
-        </p:txBody>
-      </p:sp>
     </p:spTree>
     <p:extLst>
       <p:ext uri="{BB962C8B-B14F-4D97-AF65-F5344CB8AC3E}">
-        <p14:creationId xmlns:p14="http://schemas.microsoft.com/office/powerpoint/2010/main" val="3827613448"/>
+        <p14:creationId xmlns:p14="http://schemas.microsoft.com/office/powerpoint/2010/main" val="3947428284"/>
       </p:ext>
     </p:extLst>
   </p:cSld>
@@ -9037,7 +8680,7 @@
             </a:pPr>
             <a:r>
               <a:rPr lang="es" dirty="0"/>
-              <a:t>Examples: Data</a:t>
+              <a:t>Examples: Manuscript</a:t>
             </a:r>
             <a:endParaRPr b="0" dirty="0"/>
           </a:p>
@@ -9090,7 +8733,7 @@
             </a:r>
             <a:r>
               <a:rPr lang="es" sz="1800" dirty="0"/>
-              <a:t>lldr_mpp_20240723.csv</a:t>
+              <a:t>lldr_manuscript_V01.docx</a:t>
             </a:r>
           </a:p>
           <a:p>
@@ -9136,7 +8779,7 @@
             </a:r>
             <a:r>
               <a:rPr lang="es" sz="1800" dirty="0"/>
-              <a:t>: project_location_collection-date.file-type</a:t>
+              <a:t>: project_content_version.file-type</a:t>
             </a:r>
           </a:p>
           <a:p>
@@ -9155,24 +8798,6 @@
               <a:rPr lang="en-CA" sz="1800" dirty="0"/>
               <a:t>: Leaf Litter Decomposition rate</a:t>
             </a:r>
-          </a:p>
-          <a:p>
-            <a:pPr marL="742950" lvl="1" indent="-285750" algn="l">
-              <a:lnSpc>
-                <a:spcPct val="150000"/>
-              </a:lnSpc>
-              <a:buFont typeface="Arial" panose="020B0604020202020204" pitchFamily="34" charset="0"/>
-              <a:buChar char="•"/>
-            </a:pPr>
-            <a:r>
-              <a:rPr lang="en-CA" sz="1800" i="1" u="sng" dirty="0"/>
-              <a:t>mpp</a:t>
-            </a:r>
-            <a:r>
-              <a:rPr lang="en-CA" sz="1800" dirty="0"/>
-              <a:t>: Monk Provincial Park</a:t>
-            </a:r>
-            <a:endParaRPr lang="es" sz="1800" dirty="0"/>
           </a:p>
         </p:txBody>
       </p:sp>
@@ -9213,7 +8838,7 @@
     </p:spTree>
     <p:extLst>
       <p:ext uri="{BB962C8B-B14F-4D97-AF65-F5344CB8AC3E}">
-        <p14:creationId xmlns:p14="http://schemas.microsoft.com/office/powerpoint/2010/main" val="3947428284"/>
+        <p14:creationId xmlns:p14="http://schemas.microsoft.com/office/powerpoint/2010/main" val="1593752946"/>
       </p:ext>
     </p:extLst>
   </p:cSld>
@@ -9288,7 +8913,7 @@
             </a:pPr>
             <a:r>
               <a:rPr lang="es" dirty="0"/>
-              <a:t>Examples: Manuscript</a:t>
+              <a:t>Examples: Feedback</a:t>
             </a:r>
             <a:endParaRPr b="0" dirty="0"/>
           </a:p>
@@ -9341,7 +8966,7 @@
             </a:r>
             <a:r>
               <a:rPr lang="es" sz="1800" dirty="0"/>
-              <a:t>lldr_manuscript_V01.docx</a:t>
+              <a:t>lldr_manuscript_V01_NR.docx</a:t>
             </a:r>
           </a:p>
           <a:p>
@@ -9387,7 +9012,7 @@
             </a:r>
             <a:r>
               <a:rPr lang="es" sz="1800" dirty="0"/>
-              <a:t>: project_content_version.file-type</a:t>
+              <a:t>: project_content_version_editor.file-type</a:t>
             </a:r>
           </a:p>
           <a:p>
@@ -9399,7 +9024,7 @@
               <a:buChar char="•"/>
             </a:pPr>
             <a:r>
-              <a:rPr lang="en-CA" sz="1800" i="1" u="sng" dirty="0"/>
+              <a:rPr lang="en-CA" sz="1800" dirty="0" err="1"/>
               <a:t>lldr</a:t>
             </a:r>
             <a:r>
@@ -9446,7 +9071,7 @@
     </p:spTree>
     <p:extLst>
       <p:ext uri="{BB962C8B-B14F-4D97-AF65-F5344CB8AC3E}">
-        <p14:creationId xmlns:p14="http://schemas.microsoft.com/office/powerpoint/2010/main" val="1593752946"/>
+        <p14:creationId xmlns:p14="http://schemas.microsoft.com/office/powerpoint/2010/main" val="787528825"/>
       </p:ext>
     </p:extLst>
   </p:cSld>
@@ -9521,239 +9146,6 @@
             </a:pPr>
             <a:r>
               <a:rPr lang="es" dirty="0"/>
-              <a:t>Examples: Feedback</a:t>
-            </a:r>
-            <a:endParaRPr b="0" dirty="0"/>
-          </a:p>
-        </p:txBody>
-      </p:sp>
-      <p:sp>
-        <p:nvSpPr>
-          <p:cNvPr id="162" name="Google Shape;162;p30">
-            <a:extLst>
-              <a:ext uri="{FF2B5EF4-FFF2-40B4-BE49-F238E27FC236}">
-                <a16:creationId xmlns:a16="http://schemas.microsoft.com/office/drawing/2014/main" id="{878CFDAD-2C5B-615D-A3D6-FFAA4FA82C3C}"/>
-              </a:ext>
-            </a:extLst>
-          </p:cNvPr>
-          <p:cNvSpPr txBox="1">
-            <a:spLocks noGrp="1"/>
-          </p:cNvSpPr>
-          <p:nvPr>
-            <p:ph type="subTitle" idx="3"/>
-          </p:nvPr>
-        </p:nvSpPr>
-        <p:spPr>
-          <a:xfrm>
-            <a:off x="710749" y="1273174"/>
-            <a:ext cx="6951692" cy="3107237"/>
-          </a:xfrm>
-          <a:prstGeom prst="rect">
-            <a:avLst/>
-          </a:prstGeom>
-        </p:spPr>
-        <p:txBody>
-          <a:bodyPr spcFirstLastPara="1" wrap="square" lIns="91425" tIns="91425" rIns="91425" bIns="91425" anchor="t" anchorCtr="0">
-            <a:noAutofit/>
-          </a:bodyPr>
-          <a:lstStyle/>
-          <a:p>
-            <a:pPr marL="285750" lvl="0" indent="-285750" algn="l" rtl="0">
-              <a:spcBef>
-                <a:spcPts val="0"/>
-              </a:spcBef>
-              <a:spcAft>
-                <a:spcPts val="0"/>
-              </a:spcAft>
-              <a:buFont typeface="Arial" panose="020B0604020202020204" pitchFamily="34" charset="0"/>
-              <a:buChar char="•"/>
-            </a:pPr>
-            <a:r>
-              <a:rPr lang="es" sz="1800" b="1" dirty="0"/>
-              <a:t>Example: </a:t>
-            </a:r>
-            <a:r>
-              <a:rPr lang="es" sz="1800" dirty="0"/>
-              <a:t>lldr_manuscript_V01_NR.docx</a:t>
-            </a:r>
-          </a:p>
-          <a:p>
-            <a:pPr marL="285750" lvl="0" indent="-285750" algn="l" rtl="0">
-              <a:spcBef>
-                <a:spcPts val="0"/>
-              </a:spcBef>
-              <a:spcAft>
-                <a:spcPts val="0"/>
-              </a:spcAft>
-              <a:buFont typeface="Arial" panose="020B0604020202020204" pitchFamily="34" charset="0"/>
-              <a:buChar char="•"/>
-            </a:pPr>
-            <a:endParaRPr lang="es" sz="1800" b="1" dirty="0"/>
-          </a:p>
-          <a:p>
-            <a:pPr marL="285750" lvl="0" indent="-285750" algn="l" rtl="0">
-              <a:spcBef>
-                <a:spcPts val="0"/>
-              </a:spcBef>
-              <a:spcAft>
-                <a:spcPts val="0"/>
-              </a:spcAft>
-              <a:buFont typeface="Arial" panose="020B0604020202020204" pitchFamily="34" charset="0"/>
-              <a:buChar char="•"/>
-            </a:pPr>
-            <a:r>
-              <a:rPr lang="es" sz="1800" b="1" dirty="0"/>
-              <a:t>Documentation:</a:t>
-            </a:r>
-          </a:p>
-          <a:p>
-            <a:pPr marL="742950" lvl="1" indent="-285750" algn="l">
-              <a:lnSpc>
-                <a:spcPct val="150000"/>
-              </a:lnSpc>
-              <a:buFont typeface="Arial" panose="020B0604020202020204" pitchFamily="34" charset="0"/>
-              <a:buChar char="•"/>
-            </a:pPr>
-            <a:r>
-              <a:rPr lang="es" sz="1800" i="1" u="sng" dirty="0"/>
-              <a:t>Convention</a:t>
-            </a:r>
-            <a:r>
-              <a:rPr lang="es" sz="1800" dirty="0"/>
-              <a:t>: project_content_version_editor.file-type</a:t>
-            </a:r>
-          </a:p>
-          <a:p>
-            <a:pPr marL="742950" lvl="1" indent="-285750" algn="l">
-              <a:lnSpc>
-                <a:spcPct val="150000"/>
-              </a:lnSpc>
-              <a:buFont typeface="Arial" panose="020B0604020202020204" pitchFamily="34" charset="0"/>
-              <a:buChar char="•"/>
-            </a:pPr>
-            <a:r>
-              <a:rPr lang="en-CA" sz="1800" dirty="0" err="1"/>
-              <a:t>lldr</a:t>
-            </a:r>
-            <a:r>
-              <a:rPr lang="en-CA" sz="1800" dirty="0"/>
-              <a:t>: Leaf Litter Decomposition rate</a:t>
-            </a:r>
-          </a:p>
-        </p:txBody>
-      </p:sp>
-      <p:cxnSp>
-        <p:nvCxnSpPr>
-          <p:cNvPr id="166" name="Google Shape;166;p30">
-            <a:extLst>
-              <a:ext uri="{FF2B5EF4-FFF2-40B4-BE49-F238E27FC236}">
-                <a16:creationId xmlns:a16="http://schemas.microsoft.com/office/drawing/2014/main" id="{C6694E67-8621-49E6-D1B3-6FABB5E3613B}"/>
-              </a:ext>
-            </a:extLst>
-          </p:cNvPr>
-          <p:cNvCxnSpPr>
-            <a:cxnSpLocks/>
-          </p:cNvCxnSpPr>
-          <p:nvPr/>
-        </p:nvCxnSpPr>
-        <p:spPr>
-          <a:xfrm>
-            <a:off x="812499" y="1045726"/>
-            <a:ext cx="5840850" cy="0"/>
-          </a:xfrm>
-          <a:prstGeom prst="straightConnector1">
-            <a:avLst/>
-          </a:prstGeom>
-          <a:noFill/>
-          <a:ln w="19050" cap="flat" cmpd="sng">
-            <a:solidFill>
-              <a:schemeClr val="dk1"/>
-            </a:solidFill>
-            <a:prstDash val="solid"/>
-            <a:round/>
-            <a:headEnd type="none" w="med" len="med"/>
-            <a:tailEnd type="none" w="med" len="med"/>
-          </a:ln>
-        </p:spPr>
-      </p:cxnSp>
-    </p:spTree>
-    <p:extLst>
-      <p:ext uri="{BB962C8B-B14F-4D97-AF65-F5344CB8AC3E}">
-        <p14:creationId xmlns:p14="http://schemas.microsoft.com/office/powerpoint/2010/main" val="787528825"/>
-      </p:ext>
-    </p:extLst>
-  </p:cSld>
-  <p:clrMapOvr>
-    <a:masterClrMapping/>
-  </p:clrMapOvr>
-</p:sld>
-</file>
-
-<file path=ppt/slides/slide14.xml><?xml version="1.0" encoding="utf-8"?>
-<p:sld xmlns:a="http://schemas.openxmlformats.org/drawingml/2006/main" xmlns:r="http://schemas.openxmlformats.org/officeDocument/2006/relationships" xmlns:p="http://schemas.openxmlformats.org/presentationml/2006/main">
-  <p:cSld>
-    <p:spTree>
-      <p:nvGrpSpPr>
-        <p:cNvPr id="1" name="Shape 157">
-          <a:extLst>
-            <a:ext uri="{FF2B5EF4-FFF2-40B4-BE49-F238E27FC236}">
-              <a16:creationId xmlns:a16="http://schemas.microsoft.com/office/drawing/2014/main" id="{30D3A8D2-0C9B-295D-F81F-813CFC136676}"/>
-            </a:ext>
-          </a:extLst>
-        </p:cNvPr>
-        <p:cNvGrpSpPr/>
-        <p:nvPr/>
-      </p:nvGrpSpPr>
-      <p:grpSpPr>
-        <a:xfrm>
-          <a:off x="0" y="0"/>
-          <a:ext cx="0" cy="0"/>
-          <a:chOff x="0" y="0"/>
-          <a:chExt cx="0" cy="0"/>
-        </a:xfrm>
-      </p:grpSpPr>
-      <p:sp>
-        <p:nvSpPr>
-          <p:cNvPr id="158" name="Google Shape;158;p30">
-            <a:extLst>
-              <a:ext uri="{FF2B5EF4-FFF2-40B4-BE49-F238E27FC236}">
-                <a16:creationId xmlns:a16="http://schemas.microsoft.com/office/drawing/2014/main" id="{6D7993D0-DAA8-D97F-5EB6-2C8663C2450B}"/>
-              </a:ext>
-            </a:extLst>
-          </p:cNvPr>
-          <p:cNvSpPr txBox="1">
-            <a:spLocks noGrp="1"/>
-          </p:cNvSpPr>
-          <p:nvPr>
-            <p:ph type="title" idx="6"/>
-          </p:nvPr>
-        </p:nvSpPr>
-        <p:spPr>
-          <a:xfrm>
-            <a:off x="710750" y="387250"/>
-            <a:ext cx="6151604" cy="776400"/>
-          </a:xfrm>
-          <a:prstGeom prst="rect">
-            <a:avLst/>
-          </a:prstGeom>
-        </p:spPr>
-        <p:txBody>
-          <a:bodyPr spcFirstLastPara="1" wrap="square" lIns="91425" tIns="91425" rIns="91425" bIns="91425" anchor="t" anchorCtr="0">
-            <a:noAutofit/>
-          </a:bodyPr>
-          <a:lstStyle/>
-          <a:p>
-            <a:pPr marL="0" lvl="0" indent="0" algn="l" rtl="0">
-              <a:spcBef>
-                <a:spcPts val="0"/>
-              </a:spcBef>
-              <a:spcAft>
-                <a:spcPts val="0"/>
-              </a:spcAft>
-              <a:buNone/>
-            </a:pPr>
-            <a:r>
-              <a:rPr lang="es" dirty="0"/>
               <a:t>Likeness &amp; Importance</a:t>
             </a:r>
             <a:endParaRPr b="0" dirty="0"/>
@@ -9883,6 +9275,172 @@
     <p:extLst>
       <p:ext uri="{BB962C8B-B14F-4D97-AF65-F5344CB8AC3E}">
         <p14:creationId xmlns:p14="http://schemas.microsoft.com/office/powerpoint/2010/main" val="3812152277"/>
+      </p:ext>
+    </p:extLst>
+  </p:cSld>
+  <p:clrMapOvr>
+    <a:masterClrMapping/>
+  </p:clrMapOvr>
+</p:sld>
+</file>
+
+<file path=ppt/slides/slide14.xml><?xml version="1.0" encoding="utf-8"?>
+<p:sld xmlns:a="http://schemas.openxmlformats.org/drawingml/2006/main" xmlns:r="http://schemas.openxmlformats.org/officeDocument/2006/relationships" xmlns:p="http://schemas.openxmlformats.org/presentationml/2006/main">
+  <p:cSld>
+    <p:spTree>
+      <p:nvGrpSpPr>
+        <p:cNvPr id="1" name="Shape 157">
+          <a:extLst>
+            <a:ext uri="{FF2B5EF4-FFF2-40B4-BE49-F238E27FC236}">
+              <a16:creationId xmlns:a16="http://schemas.microsoft.com/office/drawing/2014/main" id="{0DCEA432-2896-12A5-83AA-AD66A8F34FE2}"/>
+            </a:ext>
+          </a:extLst>
+        </p:cNvPr>
+        <p:cNvGrpSpPr/>
+        <p:nvPr/>
+      </p:nvGrpSpPr>
+      <p:grpSpPr>
+        <a:xfrm>
+          <a:off x="0" y="0"/>
+          <a:ext cx="0" cy="0"/>
+          <a:chOff x="0" y="0"/>
+          <a:chExt cx="0" cy="0"/>
+        </a:xfrm>
+      </p:grpSpPr>
+      <p:sp>
+        <p:nvSpPr>
+          <p:cNvPr id="158" name="Google Shape;158;p30">
+            <a:extLst>
+              <a:ext uri="{FF2B5EF4-FFF2-40B4-BE49-F238E27FC236}">
+                <a16:creationId xmlns:a16="http://schemas.microsoft.com/office/drawing/2014/main" id="{A76C426F-481A-A652-7358-B0A640A3290B}"/>
+              </a:ext>
+            </a:extLst>
+          </p:cNvPr>
+          <p:cNvSpPr txBox="1">
+            <a:spLocks noGrp="1"/>
+          </p:cNvSpPr>
+          <p:nvPr>
+            <p:ph type="title" idx="6"/>
+          </p:nvPr>
+        </p:nvSpPr>
+        <p:spPr>
+          <a:xfrm>
+            <a:off x="710750" y="387250"/>
+            <a:ext cx="6151604" cy="776400"/>
+          </a:xfrm>
+          <a:prstGeom prst="rect">
+            <a:avLst/>
+          </a:prstGeom>
+        </p:spPr>
+        <p:txBody>
+          <a:bodyPr spcFirstLastPara="1" wrap="square" lIns="91425" tIns="91425" rIns="91425" bIns="91425" anchor="t" anchorCtr="0">
+            <a:noAutofit/>
+          </a:bodyPr>
+          <a:lstStyle/>
+          <a:p>
+            <a:pPr marL="0" lvl="0" indent="0" algn="l" rtl="0">
+              <a:spcBef>
+                <a:spcPts val="0"/>
+              </a:spcBef>
+              <a:spcAft>
+                <a:spcPts val="0"/>
+              </a:spcAft>
+              <a:buNone/>
+            </a:pPr>
+            <a:r>
+              <a:rPr lang="es" dirty="0"/>
+              <a:t>Question from a student:</a:t>
+            </a:r>
+            <a:endParaRPr b="0" dirty="0"/>
+          </a:p>
+        </p:txBody>
+      </p:sp>
+      <p:sp>
+        <p:nvSpPr>
+          <p:cNvPr id="162" name="Google Shape;162;p30">
+            <a:extLst>
+              <a:ext uri="{FF2B5EF4-FFF2-40B4-BE49-F238E27FC236}">
+                <a16:creationId xmlns:a16="http://schemas.microsoft.com/office/drawing/2014/main" id="{ECD7BF18-E954-46DA-270B-5E874B2FBE96}"/>
+              </a:ext>
+            </a:extLst>
+          </p:cNvPr>
+          <p:cNvSpPr txBox="1">
+            <a:spLocks noGrp="1"/>
+          </p:cNvSpPr>
+          <p:nvPr>
+            <p:ph type="subTitle" idx="3"/>
+          </p:nvPr>
+        </p:nvSpPr>
+        <p:spPr>
+          <a:xfrm>
+            <a:off x="710749" y="1273174"/>
+            <a:ext cx="6951692" cy="3107237"/>
+          </a:xfrm>
+          <a:prstGeom prst="rect">
+            <a:avLst/>
+          </a:prstGeom>
+        </p:spPr>
+        <p:txBody>
+          <a:bodyPr spcFirstLastPara="1" wrap="square" lIns="91425" tIns="91425" rIns="91425" bIns="91425" anchor="t" anchorCtr="0">
+            <a:noAutofit/>
+          </a:bodyPr>
+          <a:lstStyle/>
+          <a:p>
+            <a:pPr marL="285750" lvl="0" indent="-285750" algn="l" rtl="0">
+              <a:spcBef>
+                <a:spcPts val="0"/>
+              </a:spcBef>
+              <a:spcAft>
+                <a:spcPts val="0"/>
+              </a:spcAft>
+              <a:buFont typeface="Arial" panose="020B0604020202020204" pitchFamily="34" charset="0"/>
+              <a:buChar char="•"/>
+            </a:pPr>
+            <a:r>
+              <a:rPr lang="en-CA" sz="1800" dirty="0"/>
+              <a:t>If you have a folder dedicated to a project, isn’t it unnecessary to have a project prefix in front of every file name within that folder?</a:t>
+            </a:r>
+          </a:p>
+        </p:txBody>
+      </p:sp>
+      <p:cxnSp>
+        <p:nvCxnSpPr>
+          <p:cNvPr id="166" name="Google Shape;166;p30">
+            <a:extLst>
+              <a:ext uri="{FF2B5EF4-FFF2-40B4-BE49-F238E27FC236}">
+                <a16:creationId xmlns:a16="http://schemas.microsoft.com/office/drawing/2014/main" id="{91E82895-55DC-86C4-070B-2A4C9DF1D535}"/>
+              </a:ext>
+            </a:extLst>
+          </p:cNvPr>
+          <p:cNvCxnSpPr>
+            <a:cxnSpLocks/>
+          </p:cNvCxnSpPr>
+          <p:nvPr/>
+        </p:nvCxnSpPr>
+        <p:spPr>
+          <a:xfrm>
+            <a:off x="812499" y="1045726"/>
+            <a:ext cx="5840850" cy="0"/>
+          </a:xfrm>
+          <a:prstGeom prst="straightConnector1">
+            <a:avLst/>
+          </a:prstGeom>
+          <a:noFill/>
+          <a:ln w="19050" cap="flat" cmpd="sng">
+            <a:solidFill>
+              <a:schemeClr val="dk1"/>
+            </a:solidFill>
+            <a:prstDash val="solid"/>
+            <a:round/>
+            <a:headEnd type="none" w="med" len="med"/>
+            <a:tailEnd type="none" w="med" len="med"/>
+          </a:ln>
+        </p:spPr>
+      </p:cxnSp>
+    </p:spTree>
+    <p:extLst>
+      <p:ext uri="{BB962C8B-B14F-4D97-AF65-F5344CB8AC3E}">
+        <p14:creationId xmlns:p14="http://schemas.microsoft.com/office/powerpoint/2010/main" val="3148573627"/>
       </p:ext>
     </p:extLst>
   </p:cSld>
@@ -10450,7 +10008,7 @@
         <p:cNvPr id="1" name="Shape 157">
           <a:extLst>
             <a:ext uri="{FF2B5EF4-FFF2-40B4-BE49-F238E27FC236}">
-              <a16:creationId xmlns:a16="http://schemas.microsoft.com/office/drawing/2014/main" id="{30D3A8D2-0C9B-295D-F81F-813CFC136676}"/>
+              <a16:creationId xmlns:a16="http://schemas.microsoft.com/office/drawing/2014/main" id="{4FD35AEA-22B9-BEDF-0BA6-CB23EBAD7EEF}"/>
             </a:ext>
           </a:extLst>
         </p:cNvPr>
@@ -10470,7 +10028,7 @@
           <p:cNvPr id="158" name="Google Shape;158;p30">
             <a:extLst>
               <a:ext uri="{FF2B5EF4-FFF2-40B4-BE49-F238E27FC236}">
-                <a16:creationId xmlns:a16="http://schemas.microsoft.com/office/drawing/2014/main" id="{6D7993D0-DAA8-D97F-5EB6-2C8663C2450B}"/>
+                <a16:creationId xmlns:a16="http://schemas.microsoft.com/office/drawing/2014/main" id="{BB5B439A-2A27-5A5E-7C17-AC1822BC3182}"/>
               </a:ext>
             </a:extLst>
           </p:cNvPr>
@@ -10518,7 +10076,7 @@
           <p:cNvPr id="162" name="Google Shape;162;p30">
             <a:extLst>
               <a:ext uri="{FF2B5EF4-FFF2-40B4-BE49-F238E27FC236}">
-                <a16:creationId xmlns:a16="http://schemas.microsoft.com/office/drawing/2014/main" id="{878CFDAD-2C5B-615D-A3D6-FFAA4FA82C3C}"/>
+                <a16:creationId xmlns:a16="http://schemas.microsoft.com/office/drawing/2014/main" id="{6B7BE141-3F8E-A87D-046D-74028F1980F0}"/>
               </a:ext>
             </a:extLst>
           </p:cNvPr>
@@ -10649,7 +10207,7 @@
           <p:cNvPr id="166" name="Google Shape;166;p30">
             <a:extLst>
               <a:ext uri="{FF2B5EF4-FFF2-40B4-BE49-F238E27FC236}">
-                <a16:creationId xmlns:a16="http://schemas.microsoft.com/office/drawing/2014/main" id="{C6694E67-8621-49E6-D1B3-6FABB5E3613B}"/>
+                <a16:creationId xmlns:a16="http://schemas.microsoft.com/office/drawing/2014/main" id="{1F976DA1-DCA1-7753-831C-0ADE5DABBD50}"/>
               </a:ext>
             </a:extLst>
           </p:cNvPr>
@@ -10678,40 +10236,146 @@
           </a:ln>
         </p:spPr>
       </p:cxnSp>
-      <p:pic>
-        <p:nvPicPr>
-          <p:cNvPr id="5" name="Picture 4">
+      <p:sp>
+        <p:nvSpPr>
+          <p:cNvPr id="2" name="Rectangle 1">
             <a:extLst>
               <a:ext uri="{FF2B5EF4-FFF2-40B4-BE49-F238E27FC236}">
-                <a16:creationId xmlns:a16="http://schemas.microsoft.com/office/drawing/2014/main" id="{00FF6741-3FE1-E29E-DBBB-D913E1944418}"/>
+                <a16:creationId xmlns:a16="http://schemas.microsoft.com/office/drawing/2014/main" id="{B4816F44-9DE8-274A-1C42-F8B49E53FEB3}"/>
               </a:ext>
             </a:extLst>
           </p:cNvPr>
-          <p:cNvPicPr>
-            <a:picLocks noChangeAspect="1"/>
-          </p:cNvPicPr>
+          <p:cNvSpPr/>
           <p:nvPr/>
-        </p:nvPicPr>
-        <p:blipFill>
-          <a:blip r:embed="rId3"/>
-          <a:stretch>
-            <a:fillRect/>
-          </a:stretch>
-        </p:blipFill>
-        <p:spPr>
-          <a:xfrm>
-            <a:off x="4946972" y="1403189"/>
-            <a:ext cx="3162300" cy="3124200"/>
+        </p:nvSpPr>
+        <p:spPr>
+          <a:xfrm>
+            <a:off x="4959626" y="1371600"/>
+            <a:ext cx="3766931" cy="3369365"/>
           </a:xfrm>
           <a:prstGeom prst="rect">
             <a:avLst/>
           </a:prstGeom>
-        </p:spPr>
-      </p:pic>
+          <a:solidFill>
+            <a:srgbClr val="81CFFF"/>
+          </a:solidFill>
+        </p:spPr>
+        <p:style>
+          <a:lnRef idx="2">
+            <a:schemeClr val="accent1">
+              <a:shade val="15000"/>
+            </a:schemeClr>
+          </a:lnRef>
+          <a:fillRef idx="1">
+            <a:schemeClr val="accent1"/>
+          </a:fillRef>
+          <a:effectRef idx="0">
+            <a:schemeClr val="accent1"/>
+          </a:effectRef>
+          <a:fontRef idx="minor">
+            <a:schemeClr val="lt1"/>
+          </a:fontRef>
+        </p:style>
+        <p:txBody>
+          <a:bodyPr rtlCol="0" anchor="ctr"/>
+          <a:lstStyle/>
+          <a:p>
+            <a:pPr algn="ctr"/>
+            <a:endParaRPr lang="en-US" dirty="0"/>
+          </a:p>
+        </p:txBody>
+      </p:sp>
+      <p:sp>
+        <p:nvSpPr>
+          <p:cNvPr id="3" name="TextBox 2">
+            <a:extLst>
+              <a:ext uri="{FF2B5EF4-FFF2-40B4-BE49-F238E27FC236}">
+                <a16:creationId xmlns:a16="http://schemas.microsoft.com/office/drawing/2014/main" id="{0DBD9CE9-C31A-0CC3-7C3B-295619235D4A}"/>
+              </a:ext>
+            </a:extLst>
+          </p:cNvPr>
+          <p:cNvSpPr txBox="1"/>
+          <p:nvPr/>
+        </p:nvSpPr>
+        <p:spPr>
+          <a:xfrm>
+            <a:off x="5327374" y="1719470"/>
+            <a:ext cx="3105877" cy="2031325"/>
+          </a:xfrm>
+          <a:prstGeom prst="rect">
+            <a:avLst/>
+          </a:prstGeom>
+          <a:noFill/>
+        </p:spPr>
+        <p:txBody>
+          <a:bodyPr wrap="square" rtlCol="0">
+            <a:spAutoFit/>
+          </a:bodyPr>
+          <a:lstStyle/>
+          <a:p>
+            <a:r>
+              <a:rPr lang="en-US" dirty="0"/>
+              <a:t>| -- Project/</a:t>
+            </a:r>
+          </a:p>
+          <a:p>
+            <a:r>
+              <a:rPr lang="en-US" dirty="0"/>
+              <a:t>|   | _Data-</a:t>
+            </a:r>
+            <a:r>
+              <a:rPr lang="en-US" dirty="0" err="1"/>
+              <a:t>dictionary.txt</a:t>
+            </a:r>
+            <a:endParaRPr lang="en-US" dirty="0"/>
+          </a:p>
+          <a:p>
+            <a:r>
+              <a:rPr lang="en-US" dirty="0"/>
+              <a:t>|   | _</a:t>
+            </a:r>
+            <a:r>
+              <a:rPr lang="en-US" dirty="0" err="1"/>
+              <a:t>README.txt</a:t>
+            </a:r>
+            <a:endParaRPr lang="en-US" dirty="0"/>
+          </a:p>
+          <a:p>
+            <a:r>
+              <a:rPr lang="en-US" dirty="0"/>
+              <a:t>|   | -- Data/</a:t>
+            </a:r>
+          </a:p>
+          <a:p>
+            <a:r>
+              <a:rPr lang="en-US" dirty="0"/>
+              <a:t>|   | -- Funding/</a:t>
+            </a:r>
+          </a:p>
+          <a:p>
+            <a:r>
+              <a:rPr lang="en-US" dirty="0"/>
+              <a:t>|   | -- Manuscript/</a:t>
+            </a:r>
+          </a:p>
+          <a:p>
+            <a:r>
+              <a:rPr lang="en-US" dirty="0"/>
+              <a:t>|   | -- Scripts/</a:t>
+            </a:r>
+          </a:p>
+          <a:p>
+            <a:endParaRPr lang="en-US" dirty="0"/>
+          </a:p>
+          <a:p>
+            <a:endParaRPr lang="en-US" dirty="0"/>
+          </a:p>
+        </p:txBody>
+      </p:sp>
     </p:spTree>
     <p:extLst>
       <p:ext uri="{BB962C8B-B14F-4D97-AF65-F5344CB8AC3E}">
-        <p14:creationId xmlns:p14="http://schemas.microsoft.com/office/powerpoint/2010/main" val="1274262646"/>
+        <p14:creationId xmlns:p14="http://schemas.microsoft.com/office/powerpoint/2010/main" val="951876849"/>
       </p:ext>
     </p:extLst>
   </p:cSld>
@@ -11087,59 +10751,103 @@
           </a:bodyPr>
           <a:lstStyle/>
           <a:p>
-            <a:pPr marL="0" lvl="0" indent="0" algn="l" rtl="0">
-              <a:lnSpc>
-                <a:spcPct val="150000"/>
-              </a:lnSpc>
-              <a:spcBef>
-                <a:spcPts val="0"/>
-              </a:spcBef>
-              <a:spcAft>
-                <a:spcPts val="0"/>
-              </a:spcAft>
-            </a:pPr>
-            <a:r>
-              <a:rPr lang="en-CA" sz="1600" b="1" dirty="0"/>
-              <a:t>Learning Objectives</a:t>
-            </a:r>
-          </a:p>
-          <a:p>
-            <a:pPr marL="285750" lvl="0" indent="-285750" algn="l" rtl="0">
-              <a:lnSpc>
-                <a:spcPct val="150000"/>
-              </a:lnSpc>
-              <a:spcBef>
-                <a:spcPts val="0"/>
-              </a:spcBef>
-              <a:spcAft>
-                <a:spcPts val="0"/>
-              </a:spcAft>
+            <a:pPr algn="l">
               <a:buFont typeface="Arial" panose="020B0604020202020204" pitchFamily="34" charset="0"/>
               <a:buChar char="•"/>
             </a:pPr>
             <a:r>
-              <a:rPr lang="en-CA" sz="1600" dirty="0"/>
-              <a:t>Introduce concepts and best practices of file naming</a:t>
-            </a:r>
-          </a:p>
-          <a:p>
-            <a:pPr marL="285750" lvl="0" indent="-285750" algn="l" rtl="0">
-              <a:lnSpc>
-                <a:spcPct val="150000"/>
-              </a:lnSpc>
-              <a:spcBef>
-                <a:spcPts val="0"/>
-              </a:spcBef>
-              <a:spcAft>
-                <a:spcPts val="0"/>
-              </a:spcAft>
+              <a:rPr lang="en-CA" sz="1600" b="0" i="0" dirty="0">
+                <a:solidFill>
+                  <a:srgbClr val="2C3E50"/>
+                </a:solidFill>
+                <a:effectLst/>
+                <a:latin typeface="Nunito" pitchFamily="2" charset="77"/>
+              </a:rPr>
+              <a:t>Introduce concepts and best practices in file naming</a:t>
+            </a:r>
+          </a:p>
+          <a:p>
+            <a:pPr marL="742950" lvl="1" indent="-285750" algn="l">
               <a:buFont typeface="Arial" panose="020B0604020202020204" pitchFamily="34" charset="0"/>
               <a:buChar char="•"/>
             </a:pPr>
             <a:r>
-              <a:rPr lang="en-CA" sz="1600" dirty="0"/>
-              <a:t>Introduce concepts and best practices of directory organization</a:t>
-            </a:r>
+              <a:rPr lang="en-CA" sz="1600" b="0" i="0" dirty="0">
+                <a:solidFill>
+                  <a:srgbClr val="2C3E50"/>
+                </a:solidFill>
+                <a:effectLst/>
+                <a:latin typeface="Nunito" pitchFamily="2" charset="77"/>
+              </a:rPr>
+              <a:t>Human readability</a:t>
+            </a:r>
+          </a:p>
+          <a:p>
+            <a:pPr marL="742950" lvl="1" indent="-285750" algn="l">
+              <a:buFont typeface="Arial" panose="020B0604020202020204" pitchFamily="34" charset="0"/>
+              <a:buChar char="•"/>
+            </a:pPr>
+            <a:r>
+              <a:rPr lang="en-CA" sz="1600" b="0" i="0" dirty="0">
+                <a:solidFill>
+                  <a:srgbClr val="2C3E50"/>
+                </a:solidFill>
+                <a:effectLst/>
+                <a:latin typeface="Nunito" pitchFamily="2" charset="77"/>
+              </a:rPr>
+              <a:t>Machine readability</a:t>
+            </a:r>
+          </a:p>
+          <a:p>
+            <a:pPr algn="l">
+              <a:buFont typeface="Arial" panose="020B0604020202020204" pitchFamily="34" charset="0"/>
+              <a:buChar char="•"/>
+            </a:pPr>
+            <a:r>
+              <a:rPr lang="en-CA" sz="1600" b="0" i="0" dirty="0">
+                <a:solidFill>
+                  <a:srgbClr val="2C3E50"/>
+                </a:solidFill>
+                <a:effectLst/>
+                <a:latin typeface="Nunito" pitchFamily="2" charset="77"/>
+              </a:rPr>
+              <a:t>Best practices in directory (folder) structures</a:t>
+            </a:r>
+          </a:p>
+          <a:p>
+            <a:pPr algn="l">
+              <a:buFont typeface="Arial" panose="020B0604020202020204" pitchFamily="34" charset="0"/>
+              <a:buChar char="•"/>
+            </a:pPr>
+            <a:r>
+              <a:rPr lang="en-CA" sz="1600" b="0" i="0" dirty="0">
+                <a:solidFill>
+                  <a:srgbClr val="2C3E50"/>
+                </a:solidFill>
+                <a:effectLst/>
+                <a:latin typeface="Nunito" pitchFamily="2" charset="77"/>
+              </a:rPr>
+              <a:t>Versioning files via file naming</a:t>
+            </a:r>
+          </a:p>
+          <a:p>
+            <a:pPr algn="l"/>
+            <a:br>
+              <a:rPr lang="en-CA" b="0" i="0" dirty="0">
+                <a:solidFill>
+                  <a:srgbClr val="2C3E50"/>
+                </a:solidFill>
+                <a:effectLst/>
+                <a:latin typeface="Lato" panose="020F0502020204030203" pitchFamily="34" charset="0"/>
+              </a:rPr>
+            </a:br>
+            <a:endParaRPr lang="en-CA" b="0" i="0" dirty="0">
+              <a:solidFill>
+                <a:srgbClr val="2C3E50"/>
+              </a:solidFill>
+              <a:effectLst/>
+              <a:latin typeface="Lato" panose="020F0502020204030203" pitchFamily="34" charset="0"/>
+            </a:endParaRPr>
           </a:p>
           <a:p>
             <a:pPr marL="0" lvl="0" indent="0" algn="l" rtl="0">
@@ -11316,36 +11024,142 @@
           </a:ln>
         </p:spPr>
       </p:cxnSp>
-      <p:pic>
-        <p:nvPicPr>
-          <p:cNvPr id="5" name="Picture 4">
+      <p:sp>
+        <p:nvSpPr>
+          <p:cNvPr id="2" name="Rectangle 1">
             <a:extLst>
               <a:ext uri="{FF2B5EF4-FFF2-40B4-BE49-F238E27FC236}">
-                <a16:creationId xmlns:a16="http://schemas.microsoft.com/office/drawing/2014/main" id="{03868F3F-605E-D485-C7C2-48405E02C85B}"/>
+                <a16:creationId xmlns:a16="http://schemas.microsoft.com/office/drawing/2014/main" id="{B4F6CA9C-C326-687E-B1E4-F979CB6C34B7}"/>
               </a:ext>
             </a:extLst>
           </p:cNvPr>
-          <p:cNvPicPr>
-            <a:picLocks noChangeAspect="1"/>
-          </p:cNvPicPr>
+          <p:cNvSpPr/>
           <p:nvPr/>
-        </p:nvPicPr>
-        <p:blipFill>
-          <a:blip r:embed="rId3"/>
-          <a:stretch>
-            <a:fillRect/>
-          </a:stretch>
-        </p:blipFill>
-        <p:spPr>
-          <a:xfrm>
-            <a:off x="812499" y="1337117"/>
-            <a:ext cx="3296514" cy="3296514"/>
+        </p:nvSpPr>
+        <p:spPr>
+          <a:xfrm>
+            <a:off x="812499" y="1386885"/>
+            <a:ext cx="3766931" cy="3369365"/>
           </a:xfrm>
           <a:prstGeom prst="rect">
             <a:avLst/>
           </a:prstGeom>
-        </p:spPr>
-      </p:pic>
+          <a:solidFill>
+            <a:srgbClr val="81CFFF"/>
+          </a:solidFill>
+        </p:spPr>
+        <p:style>
+          <a:lnRef idx="2">
+            <a:schemeClr val="accent1">
+              <a:shade val="15000"/>
+            </a:schemeClr>
+          </a:lnRef>
+          <a:fillRef idx="1">
+            <a:schemeClr val="accent1"/>
+          </a:fillRef>
+          <a:effectRef idx="0">
+            <a:schemeClr val="accent1"/>
+          </a:effectRef>
+          <a:fontRef idx="minor">
+            <a:schemeClr val="lt1"/>
+          </a:fontRef>
+        </p:style>
+        <p:txBody>
+          <a:bodyPr rtlCol="0" anchor="ctr"/>
+          <a:lstStyle/>
+          <a:p>
+            <a:pPr algn="ctr"/>
+            <a:endParaRPr lang="en-US" dirty="0"/>
+          </a:p>
+        </p:txBody>
+      </p:sp>
+      <p:sp>
+        <p:nvSpPr>
+          <p:cNvPr id="3" name="TextBox 2">
+            <a:extLst>
+              <a:ext uri="{FF2B5EF4-FFF2-40B4-BE49-F238E27FC236}">
+                <a16:creationId xmlns:a16="http://schemas.microsoft.com/office/drawing/2014/main" id="{D564F82F-0C42-F3CA-0BCA-181E6BEB68DF}"/>
+              </a:ext>
+            </a:extLst>
+          </p:cNvPr>
+          <p:cNvSpPr txBox="1"/>
+          <p:nvPr/>
+        </p:nvSpPr>
+        <p:spPr>
+          <a:xfrm>
+            <a:off x="1180247" y="1734755"/>
+            <a:ext cx="3105877" cy="2031325"/>
+          </a:xfrm>
+          <a:prstGeom prst="rect">
+            <a:avLst/>
+          </a:prstGeom>
+          <a:noFill/>
+        </p:spPr>
+        <p:txBody>
+          <a:bodyPr wrap="square" rtlCol="0">
+            <a:spAutoFit/>
+          </a:bodyPr>
+          <a:lstStyle/>
+          <a:p>
+            <a:r>
+              <a:rPr lang="en-US" dirty="0"/>
+              <a:t>| -- Project/</a:t>
+            </a:r>
+          </a:p>
+          <a:p>
+            <a:r>
+              <a:rPr lang="en-US" dirty="0"/>
+              <a:t>|   | _Data-</a:t>
+            </a:r>
+            <a:r>
+              <a:rPr lang="en-US" dirty="0" err="1"/>
+              <a:t>dictionary.txt</a:t>
+            </a:r>
+            <a:endParaRPr lang="en-US" dirty="0"/>
+          </a:p>
+          <a:p>
+            <a:r>
+              <a:rPr lang="en-US" dirty="0"/>
+              <a:t>|   | _</a:t>
+            </a:r>
+            <a:r>
+              <a:rPr lang="en-US" dirty="0" err="1"/>
+              <a:t>README.txt</a:t>
+            </a:r>
+            <a:endParaRPr lang="en-US" dirty="0"/>
+          </a:p>
+          <a:p>
+            <a:r>
+              <a:rPr lang="en-US" dirty="0"/>
+              <a:t>|   | -- Data/</a:t>
+            </a:r>
+          </a:p>
+          <a:p>
+            <a:r>
+              <a:rPr lang="en-US" dirty="0"/>
+              <a:t>|   | -- Funding/</a:t>
+            </a:r>
+          </a:p>
+          <a:p>
+            <a:r>
+              <a:rPr lang="en-US" dirty="0"/>
+              <a:t>|   | -- Manuscript/</a:t>
+            </a:r>
+          </a:p>
+          <a:p>
+            <a:r>
+              <a:rPr lang="en-US" dirty="0"/>
+              <a:t>|   | -- Scripts/</a:t>
+            </a:r>
+          </a:p>
+          <a:p>
+            <a:endParaRPr lang="en-US" dirty="0"/>
+          </a:p>
+          <a:p>
+            <a:endParaRPr lang="en-US" dirty="0"/>
+          </a:p>
+        </p:txBody>
+      </p:sp>
     </p:spTree>
     <p:extLst>
       <p:ext uri="{BB962C8B-B14F-4D97-AF65-F5344CB8AC3E}">
@@ -11367,7 +11181,7 @@
         <p:cNvPr id="1" name="Shape 157">
           <a:extLst>
             <a:ext uri="{FF2B5EF4-FFF2-40B4-BE49-F238E27FC236}">
-              <a16:creationId xmlns:a16="http://schemas.microsoft.com/office/drawing/2014/main" id="{30D3A8D2-0C9B-295D-F81F-813CFC136676}"/>
+              <a16:creationId xmlns:a16="http://schemas.microsoft.com/office/drawing/2014/main" id="{A8784713-A87B-F35D-54D3-552F3F84E8FD}"/>
             </a:ext>
           </a:extLst>
         </p:cNvPr>
@@ -11387,7 +11201,7 @@
           <p:cNvPr id="158" name="Google Shape;158;p30">
             <a:extLst>
               <a:ext uri="{FF2B5EF4-FFF2-40B4-BE49-F238E27FC236}">
-                <a16:creationId xmlns:a16="http://schemas.microsoft.com/office/drawing/2014/main" id="{6D7993D0-DAA8-D97F-5EB6-2C8663C2450B}"/>
+                <a16:creationId xmlns:a16="http://schemas.microsoft.com/office/drawing/2014/main" id="{923DD806-CD78-3503-571B-132BC025D1BB}"/>
               </a:ext>
             </a:extLst>
           </p:cNvPr>
@@ -11435,7 +11249,7 @@
           <p:cNvPr id="166" name="Google Shape;166;p30">
             <a:extLst>
               <a:ext uri="{FF2B5EF4-FFF2-40B4-BE49-F238E27FC236}">
-                <a16:creationId xmlns:a16="http://schemas.microsoft.com/office/drawing/2014/main" id="{C6694E67-8621-49E6-D1B3-6FABB5E3613B}"/>
+                <a16:creationId xmlns:a16="http://schemas.microsoft.com/office/drawing/2014/main" id="{101B1807-C05D-64F3-7B53-DD8E3375A5B3}"/>
               </a:ext>
             </a:extLst>
           </p:cNvPr>
@@ -11464,40 +11278,176 @@
           </a:ln>
         </p:spPr>
       </p:cxnSp>
-      <p:pic>
-        <p:nvPicPr>
-          <p:cNvPr id="3" name="Picture 2">
+      <p:sp>
+        <p:nvSpPr>
+          <p:cNvPr id="2" name="Rectangle 1">
             <a:extLst>
               <a:ext uri="{FF2B5EF4-FFF2-40B4-BE49-F238E27FC236}">
-                <a16:creationId xmlns:a16="http://schemas.microsoft.com/office/drawing/2014/main" id="{330D1E65-A503-A671-D4A7-AA92345AB62E}"/>
+                <a16:creationId xmlns:a16="http://schemas.microsoft.com/office/drawing/2014/main" id="{9BF04AE7-1BC1-8A7C-12C4-AC656548C430}"/>
               </a:ext>
             </a:extLst>
           </p:cNvPr>
-          <p:cNvPicPr>
-            <a:picLocks noChangeAspect="1"/>
-          </p:cNvPicPr>
+          <p:cNvSpPr/>
           <p:nvPr/>
-        </p:nvPicPr>
-        <p:blipFill>
-          <a:blip r:embed="rId3"/>
-          <a:stretch>
-            <a:fillRect/>
-          </a:stretch>
-        </p:blipFill>
-        <p:spPr>
-          <a:xfrm>
-            <a:off x="710749" y="1278373"/>
-            <a:ext cx="3363539" cy="3218559"/>
+        </p:nvSpPr>
+        <p:spPr>
+          <a:xfrm>
+            <a:off x="812499" y="1386885"/>
+            <a:ext cx="3766931" cy="3369365"/>
           </a:xfrm>
           <a:prstGeom prst="rect">
             <a:avLst/>
           </a:prstGeom>
-        </p:spPr>
-      </p:pic>
+          <a:solidFill>
+            <a:srgbClr val="81CFFF"/>
+          </a:solidFill>
+        </p:spPr>
+        <p:style>
+          <a:lnRef idx="2">
+            <a:schemeClr val="accent1">
+              <a:shade val="15000"/>
+            </a:schemeClr>
+          </a:lnRef>
+          <a:fillRef idx="1">
+            <a:schemeClr val="accent1"/>
+          </a:fillRef>
+          <a:effectRef idx="0">
+            <a:schemeClr val="accent1"/>
+          </a:effectRef>
+          <a:fontRef idx="minor">
+            <a:schemeClr val="lt1"/>
+          </a:fontRef>
+        </p:style>
+        <p:txBody>
+          <a:bodyPr rtlCol="0" anchor="ctr"/>
+          <a:lstStyle/>
+          <a:p>
+            <a:pPr algn="ctr"/>
+            <a:endParaRPr lang="en-US" dirty="0"/>
+          </a:p>
+        </p:txBody>
+      </p:sp>
+      <p:sp>
+        <p:nvSpPr>
+          <p:cNvPr id="3" name="TextBox 2">
+            <a:extLst>
+              <a:ext uri="{FF2B5EF4-FFF2-40B4-BE49-F238E27FC236}">
+                <a16:creationId xmlns:a16="http://schemas.microsoft.com/office/drawing/2014/main" id="{BD86D571-6EAF-03D8-D034-DAECA39862E2}"/>
+              </a:ext>
+            </a:extLst>
+          </p:cNvPr>
+          <p:cNvSpPr txBox="1"/>
+          <p:nvPr/>
+        </p:nvSpPr>
+        <p:spPr>
+          <a:xfrm>
+            <a:off x="1180247" y="1734755"/>
+            <a:ext cx="3105877" cy="3108543"/>
+          </a:xfrm>
+          <a:prstGeom prst="rect">
+            <a:avLst/>
+          </a:prstGeom>
+          <a:noFill/>
+        </p:spPr>
+        <p:txBody>
+          <a:bodyPr wrap="square" rtlCol="0">
+            <a:spAutoFit/>
+          </a:bodyPr>
+          <a:lstStyle/>
+          <a:p>
+            <a:r>
+              <a:rPr lang="en-US" dirty="0"/>
+              <a:t>| -- Project/</a:t>
+            </a:r>
+          </a:p>
+          <a:p>
+            <a:r>
+              <a:rPr lang="en-US" dirty="0"/>
+              <a:t>|   | _Data-</a:t>
+            </a:r>
+            <a:r>
+              <a:rPr lang="en-US" dirty="0" err="1"/>
+              <a:t>dictionary.txt</a:t>
+            </a:r>
+            <a:endParaRPr lang="en-US" dirty="0"/>
+          </a:p>
+          <a:p>
+            <a:r>
+              <a:rPr lang="en-US" dirty="0"/>
+              <a:t>|   | _</a:t>
+            </a:r>
+            <a:r>
+              <a:rPr lang="en-US" dirty="0" err="1"/>
+              <a:t>README.txt</a:t>
+            </a:r>
+            <a:endParaRPr lang="en-US" dirty="0"/>
+          </a:p>
+          <a:p>
+            <a:r>
+              <a:rPr lang="en-US" dirty="0"/>
+              <a:t>|   | --Analysis</a:t>
+            </a:r>
+          </a:p>
+          <a:p>
+            <a:r>
+              <a:rPr lang="en-US" dirty="0"/>
+              <a:t>|   |   | -- Location-subsets/</a:t>
+            </a:r>
+          </a:p>
+          <a:p>
+            <a:r>
+              <a:rPr lang="en-US" dirty="0"/>
+              <a:t>|   |   | -- Scripts/</a:t>
+            </a:r>
+          </a:p>
+          <a:p>
+            <a:r>
+              <a:rPr lang="en-US" dirty="0"/>
+              <a:t>|   |   | -- Species-subsets/</a:t>
+            </a:r>
+          </a:p>
+          <a:p>
+            <a:r>
+              <a:rPr lang="en-US" dirty="0"/>
+              <a:t>|   | -- Data/</a:t>
+            </a:r>
+          </a:p>
+          <a:p>
+            <a:r>
+              <a:rPr lang="en-US" dirty="0"/>
+              <a:t>|   |   | -- Processed/</a:t>
+            </a:r>
+          </a:p>
+          <a:p>
+            <a:r>
+              <a:rPr lang="en-US" dirty="0"/>
+              <a:t>|   |   | -- Unprocessed/</a:t>
+            </a:r>
+          </a:p>
+          <a:p>
+            <a:r>
+              <a:rPr lang="en-US" dirty="0"/>
+              <a:t>|   | -- Funding/</a:t>
+            </a:r>
+          </a:p>
+          <a:p>
+            <a:r>
+              <a:rPr lang="en-US" dirty="0"/>
+              <a:t>|   | -- Manuscript/</a:t>
+            </a:r>
+          </a:p>
+          <a:p>
+            <a:endParaRPr lang="en-US" dirty="0"/>
+          </a:p>
+          <a:p>
+            <a:endParaRPr lang="en-US" dirty="0"/>
+          </a:p>
+        </p:txBody>
+      </p:sp>
     </p:spTree>
     <p:extLst>
       <p:ext uri="{BB962C8B-B14F-4D97-AF65-F5344CB8AC3E}">
-        <p14:creationId xmlns:p14="http://schemas.microsoft.com/office/powerpoint/2010/main" val="2553163790"/>
+        <p14:creationId xmlns:p14="http://schemas.microsoft.com/office/powerpoint/2010/main" val="923489791"/>
       </p:ext>
     </p:extLst>
   </p:cSld>
@@ -12866,7 +12816,7 @@
         <p:cNvPr id="1" name="Shape 157">
           <a:extLst>
             <a:ext uri="{FF2B5EF4-FFF2-40B4-BE49-F238E27FC236}">
-              <a16:creationId xmlns:a16="http://schemas.microsoft.com/office/drawing/2014/main" id="{D3344AFD-AE8C-BDE8-CA8E-F1ED8871E211}"/>
+              <a16:creationId xmlns:a16="http://schemas.microsoft.com/office/drawing/2014/main" id="{30D3A8D2-0C9B-295D-F81F-813CFC136676}"/>
             </a:ext>
           </a:extLst>
         </p:cNvPr>
@@ -12886,7 +12836,7 @@
           <p:cNvPr id="158" name="Google Shape;158;p30">
             <a:extLst>
               <a:ext uri="{FF2B5EF4-FFF2-40B4-BE49-F238E27FC236}">
-                <a16:creationId xmlns:a16="http://schemas.microsoft.com/office/drawing/2014/main" id="{6087A19F-FDF9-A810-E970-B282FD075676}"/>
+                <a16:creationId xmlns:a16="http://schemas.microsoft.com/office/drawing/2014/main" id="{6D7993D0-DAA8-D97F-5EB6-2C8663C2450B}"/>
               </a:ext>
             </a:extLst>
           </p:cNvPr>
@@ -12900,7 +12850,7 @@
         <p:spPr>
           <a:xfrm>
             <a:off x="710750" y="387250"/>
-            <a:ext cx="4724700" cy="776400"/>
+            <a:ext cx="6151604" cy="776400"/>
           </a:xfrm>
           <a:prstGeom prst="rect">
             <a:avLst/>
@@ -12923,152 +12873,9 @@
             </a:pPr>
             <a:r>
               <a:rPr lang="es" dirty="0"/>
-              <a:t>Session Overview</a:t>
+              <a:t>File Naming Best Practices</a:t>
             </a:r>
             <a:endParaRPr b="0" dirty="0"/>
-          </a:p>
-        </p:txBody>
-      </p:sp>
-      <p:sp>
-        <p:nvSpPr>
-          <p:cNvPr id="162" name="Google Shape;162;p30">
-            <a:extLst>
-              <a:ext uri="{FF2B5EF4-FFF2-40B4-BE49-F238E27FC236}">
-                <a16:creationId xmlns:a16="http://schemas.microsoft.com/office/drawing/2014/main" id="{AFE5C03F-68E7-5094-9BBC-73EF03090BEC}"/>
-              </a:ext>
-            </a:extLst>
-          </p:cNvPr>
-          <p:cNvSpPr txBox="1">
-            <a:spLocks noGrp="1"/>
-          </p:cNvSpPr>
-          <p:nvPr>
-            <p:ph type="subTitle" idx="3"/>
-          </p:nvPr>
-        </p:nvSpPr>
-        <p:spPr>
-          <a:xfrm>
-            <a:off x="710750" y="1491096"/>
-            <a:ext cx="6928131" cy="2606678"/>
-          </a:xfrm>
-          <a:prstGeom prst="rect">
-            <a:avLst/>
-          </a:prstGeom>
-        </p:spPr>
-        <p:txBody>
-          <a:bodyPr spcFirstLastPara="1" wrap="square" lIns="91425" tIns="91425" rIns="91425" bIns="91425" anchor="t" anchorCtr="0">
-            <a:noAutofit/>
-          </a:bodyPr>
-          <a:lstStyle/>
-          <a:p>
-            <a:pPr marL="0" lvl="0" indent="0" algn="l" rtl="0">
-              <a:lnSpc>
-                <a:spcPct val="150000"/>
-              </a:lnSpc>
-              <a:spcBef>
-                <a:spcPts val="0"/>
-              </a:spcBef>
-              <a:spcAft>
-                <a:spcPts val="0"/>
-              </a:spcAft>
-            </a:pPr>
-            <a:r>
-              <a:rPr lang="en-CA" sz="1600" b="1" dirty="0"/>
-              <a:t>Learning Outcomes</a:t>
-            </a:r>
-          </a:p>
-          <a:p>
-            <a:pPr marL="0" lvl="0" indent="0" algn="l" rtl="0">
-              <a:lnSpc>
-                <a:spcPct val="150000"/>
-              </a:lnSpc>
-              <a:spcBef>
-                <a:spcPts val="0"/>
-              </a:spcBef>
-              <a:spcAft>
-                <a:spcPts val="0"/>
-              </a:spcAft>
-            </a:pPr>
-            <a:r>
-              <a:rPr lang="en-CA" sz="1600" i="1" dirty="0"/>
-              <a:t>By the end of this session, you’ll be able to…</a:t>
-            </a:r>
-          </a:p>
-          <a:p>
-            <a:pPr marL="285750" lvl="0" indent="-285750" algn="l" rtl="0">
-              <a:lnSpc>
-                <a:spcPct val="150000"/>
-              </a:lnSpc>
-              <a:spcBef>
-                <a:spcPts val="0"/>
-              </a:spcBef>
-              <a:spcAft>
-                <a:spcPts val="0"/>
-              </a:spcAft>
-              <a:buFont typeface="Arial" panose="020B0604020202020204" pitchFamily="34" charset="0"/>
-              <a:buChar char="•"/>
-            </a:pPr>
-            <a:r>
-              <a:rPr lang="en-CA" sz="1600" dirty="0"/>
-              <a:t>Describe best practices for file naming and directory organization</a:t>
-            </a:r>
-          </a:p>
-          <a:p>
-            <a:pPr marL="285750" lvl="0" indent="-285750" algn="l" rtl="0">
-              <a:lnSpc>
-                <a:spcPct val="150000"/>
-              </a:lnSpc>
-              <a:spcBef>
-                <a:spcPts val="0"/>
-              </a:spcBef>
-              <a:spcAft>
-                <a:spcPts val="0"/>
-              </a:spcAft>
-              <a:buFont typeface="Arial" panose="020B0604020202020204" pitchFamily="34" charset="0"/>
-              <a:buChar char="•"/>
-            </a:pPr>
-            <a:r>
-              <a:rPr lang="en-CA" sz="1600" dirty="0"/>
-              <a:t>Begin conceptualizing how to apply these practices to your own files and directories</a:t>
-            </a:r>
-          </a:p>
-          <a:p>
-            <a:pPr marL="285750" lvl="0" indent="-285750" algn="l" rtl="0">
-              <a:lnSpc>
-                <a:spcPct val="150000"/>
-              </a:lnSpc>
-              <a:spcBef>
-                <a:spcPts val="0"/>
-              </a:spcBef>
-              <a:spcAft>
-                <a:spcPts val="0"/>
-              </a:spcAft>
-              <a:buFont typeface="Arial" panose="020B0604020202020204" pitchFamily="34" charset="0"/>
-              <a:buChar char="•"/>
-            </a:pPr>
-            <a:endParaRPr lang="en-CA" sz="1600" dirty="0"/>
-          </a:p>
-          <a:p>
-            <a:pPr marL="0" lvl="0" indent="0" algn="l" rtl="0">
-              <a:spcBef>
-                <a:spcPts val="0"/>
-              </a:spcBef>
-              <a:spcAft>
-                <a:spcPts val="0"/>
-              </a:spcAft>
-            </a:pPr>
-            <a:endParaRPr sz="1600" dirty="0"/>
-          </a:p>
-          <a:p>
-            <a:pPr marL="0" lvl="0" indent="0" algn="l" rtl="0">
-              <a:spcBef>
-                <a:spcPts val="0"/>
-              </a:spcBef>
-              <a:spcAft>
-                <a:spcPts val="0"/>
-              </a:spcAft>
-              <a:buNone/>
-            </a:pPr>
-            <a:endParaRPr dirty="0"/>
           </a:p>
         </p:txBody>
       </p:sp>
@@ -13077,17 +12884,19 @@
           <p:cNvPr id="166" name="Google Shape;166;p30">
             <a:extLst>
               <a:ext uri="{FF2B5EF4-FFF2-40B4-BE49-F238E27FC236}">
-                <a16:creationId xmlns:a16="http://schemas.microsoft.com/office/drawing/2014/main" id="{455BF690-6DD4-3AC0-F52E-A1B113BE9EB2}"/>
+                <a16:creationId xmlns:a16="http://schemas.microsoft.com/office/drawing/2014/main" id="{C6694E67-8621-49E6-D1B3-6FABB5E3613B}"/>
               </a:ext>
             </a:extLst>
           </p:cNvPr>
-          <p:cNvCxnSpPr/>
+          <p:cNvCxnSpPr>
+            <a:cxnSpLocks/>
+          </p:cNvCxnSpPr>
           <p:nvPr/>
         </p:nvCxnSpPr>
         <p:spPr>
           <a:xfrm>
             <a:off x="812499" y="1045726"/>
-            <a:ext cx="4499100" cy="0"/>
+            <a:ext cx="5239958" cy="0"/>
           </a:xfrm>
           <a:prstGeom prst="straightConnector1">
             <a:avLst/>
@@ -13104,10 +12913,111 @@
           </a:ln>
         </p:spPr>
       </p:cxnSp>
+      <p:pic>
+        <p:nvPicPr>
+          <p:cNvPr id="4" name="Picture 2" descr="https://lh6.googleusercontent.com/vweNJMG8xvLda90KWC6SWvpZDrbZZEwwZJkoWh5LO2HVKT_25wW2hwueMvxZDDhdArsTeXW5cFrmWqyGdJDttR0-hclmqZHXYD461NxP81rImbsDFqz1MROORoHRz8ePlFEAAZKzavPOov_XsJ58AhA=s2048">
+            <a:extLst>
+              <a:ext uri="{FF2B5EF4-FFF2-40B4-BE49-F238E27FC236}">
+                <a16:creationId xmlns:a16="http://schemas.microsoft.com/office/drawing/2014/main" id="{364DE577-CC0C-302A-F1A4-2BBFB5D220B2}"/>
+              </a:ext>
+            </a:extLst>
+          </p:cNvPr>
+          <p:cNvPicPr>
+            <a:picLocks noChangeAspect="1" noChangeArrowheads="1"/>
+          </p:cNvPicPr>
+          <p:nvPr/>
+        </p:nvPicPr>
+        <p:blipFill>
+          <a:blip r:embed="rId3">
+            <a:extLst>
+              <a:ext uri="{28A0092B-C50C-407E-A947-70E740481C1C}">
+                <a14:useLocalDpi xmlns:a14="http://schemas.microsoft.com/office/drawing/2010/main" val="0"/>
+              </a:ext>
+            </a:extLst>
+          </a:blip>
+          <a:srcRect/>
+          <a:stretch>
+            <a:fillRect/>
+          </a:stretch>
+        </p:blipFill>
+        <p:spPr bwMode="auto">
+          <a:xfrm>
+            <a:off x="812499" y="1367831"/>
+            <a:ext cx="5218953" cy="3120392"/>
+          </a:xfrm>
+          <a:prstGeom prst="rect">
+            <a:avLst/>
+          </a:prstGeom>
+          <a:noFill/>
+          <a:extLst>
+            <a:ext uri="{909E8E84-426E-40DD-AFC4-6F175D3DCCD1}">
+              <a14:hiddenFill xmlns:a14="http://schemas.microsoft.com/office/drawing/2010/main">
+                <a:solidFill>
+                  <a:srgbClr val="FFFFFF"/>
+                </a:solidFill>
+              </a14:hiddenFill>
+            </a:ext>
+          </a:extLst>
+        </p:spPr>
+      </p:pic>
+      <p:sp>
+        <p:nvSpPr>
+          <p:cNvPr id="2" name="Rectangle 1">
+            <a:extLst>
+              <a:ext uri="{FF2B5EF4-FFF2-40B4-BE49-F238E27FC236}">
+                <a16:creationId xmlns:a16="http://schemas.microsoft.com/office/drawing/2014/main" id="{9693287A-2C99-AF2C-F2F3-A9986FA613BE}"/>
+              </a:ext>
+            </a:extLst>
+          </p:cNvPr>
+          <p:cNvSpPr/>
+          <p:nvPr/>
+        </p:nvSpPr>
+        <p:spPr>
+          <a:xfrm>
+            <a:off x="920724" y="4009720"/>
+            <a:ext cx="1476586" cy="176107"/>
+          </a:xfrm>
+          <a:prstGeom prst="rect">
+            <a:avLst/>
+          </a:prstGeom>
+          <a:solidFill>
+            <a:schemeClr val="bg2"/>
+          </a:solidFill>
+          <a:ln>
+            <a:solidFill>
+              <a:schemeClr val="bg2"/>
+            </a:solidFill>
+          </a:ln>
+        </p:spPr>
+        <p:style>
+          <a:lnRef idx="2">
+            <a:schemeClr val="accent1">
+              <a:shade val="15000"/>
+            </a:schemeClr>
+          </a:lnRef>
+          <a:fillRef idx="1">
+            <a:schemeClr val="accent1"/>
+          </a:fillRef>
+          <a:effectRef idx="0">
+            <a:schemeClr val="accent1"/>
+          </a:effectRef>
+          <a:fontRef idx="minor">
+            <a:schemeClr val="lt1"/>
+          </a:fontRef>
+        </p:style>
+        <p:txBody>
+          <a:bodyPr rtlCol="0" anchor="ctr"/>
+          <a:lstStyle/>
+          <a:p>
+            <a:pPr algn="ctr"/>
+            <a:endParaRPr lang="en-CA"/>
+          </a:p>
+        </p:txBody>
+      </p:sp>
     </p:spTree>
     <p:extLst>
       <p:ext uri="{BB962C8B-B14F-4D97-AF65-F5344CB8AC3E}">
-        <p14:creationId xmlns:p14="http://schemas.microsoft.com/office/powerpoint/2010/main" val="3157339496"/>
+        <p14:creationId xmlns:p14="http://schemas.microsoft.com/office/powerpoint/2010/main" val="2003739306"/>
       </p:ext>
     </p:extLst>
   </p:cSld>
@@ -13188,6 +13098,95 @@
           </a:p>
         </p:txBody>
       </p:sp>
+      <p:sp>
+        <p:nvSpPr>
+          <p:cNvPr id="162" name="Google Shape;162;p30">
+            <a:extLst>
+              <a:ext uri="{FF2B5EF4-FFF2-40B4-BE49-F238E27FC236}">
+                <a16:creationId xmlns:a16="http://schemas.microsoft.com/office/drawing/2014/main" id="{878CFDAD-2C5B-615D-A3D6-FFAA4FA82C3C}"/>
+              </a:ext>
+            </a:extLst>
+          </p:cNvPr>
+          <p:cNvSpPr txBox="1">
+            <a:spLocks noGrp="1"/>
+          </p:cNvSpPr>
+          <p:nvPr>
+            <p:ph type="subTitle" idx="3"/>
+          </p:nvPr>
+        </p:nvSpPr>
+        <p:spPr>
+          <a:xfrm>
+            <a:off x="710749" y="1273174"/>
+            <a:ext cx="4366348" cy="3107237"/>
+          </a:xfrm>
+          <a:prstGeom prst="rect">
+            <a:avLst/>
+          </a:prstGeom>
+        </p:spPr>
+        <p:txBody>
+          <a:bodyPr spcFirstLastPara="1" wrap="square" lIns="91425" tIns="91425" rIns="91425" bIns="91425" anchor="t" anchorCtr="0">
+            <a:noAutofit/>
+          </a:bodyPr>
+          <a:lstStyle/>
+          <a:p>
+            <a:pPr marL="285750" lvl="0" indent="-285750" algn="l" rtl="0">
+              <a:lnSpc>
+                <a:spcPct val="150000"/>
+              </a:lnSpc>
+              <a:spcBef>
+                <a:spcPts val="0"/>
+              </a:spcBef>
+              <a:spcAft>
+                <a:spcPts val="0"/>
+              </a:spcAft>
+              <a:buFont typeface="Arial" panose="020B0604020202020204" pitchFamily="34" charset="0"/>
+              <a:buChar char="•"/>
+            </a:pPr>
+            <a:r>
+              <a:rPr lang="es" sz="1800" dirty="0"/>
+              <a:t>Human readable</a:t>
+            </a:r>
+          </a:p>
+          <a:p>
+            <a:pPr marL="285750" lvl="0" indent="-285750" algn="l" rtl="0">
+              <a:lnSpc>
+                <a:spcPct val="150000"/>
+              </a:lnSpc>
+              <a:spcBef>
+                <a:spcPts val="0"/>
+              </a:spcBef>
+              <a:spcAft>
+                <a:spcPts val="0"/>
+              </a:spcAft>
+              <a:buFont typeface="Arial" panose="020B0604020202020204" pitchFamily="34" charset="0"/>
+              <a:buChar char="•"/>
+            </a:pPr>
+            <a:r>
+              <a:rPr lang="es" sz="1800" dirty="0"/>
+              <a:t>Machine readable</a:t>
+            </a:r>
+          </a:p>
+          <a:p>
+            <a:pPr marL="285750" lvl="0" indent="-285750" algn="l" rtl="0">
+              <a:lnSpc>
+                <a:spcPct val="150000"/>
+              </a:lnSpc>
+              <a:spcBef>
+                <a:spcPts val="0"/>
+              </a:spcBef>
+              <a:spcAft>
+                <a:spcPts val="0"/>
+              </a:spcAft>
+              <a:buFont typeface="Arial" panose="020B0604020202020204" pitchFamily="34" charset="0"/>
+              <a:buChar char="•"/>
+            </a:pPr>
+            <a:r>
+              <a:rPr lang="es" sz="1800" dirty="0"/>
+              <a:t>Be consisent!</a:t>
+            </a:r>
+          </a:p>
+        </p:txBody>
+      </p:sp>
       <p:cxnSp>
         <p:nvCxnSpPr>
           <p:cNvPr id="166" name="Google Shape;166;p30">
@@ -13205,7 +13204,7 @@
         <p:spPr>
           <a:xfrm>
             <a:off x="812499" y="1045726"/>
-            <a:ext cx="5239958" cy="0"/>
+            <a:ext cx="5840850" cy="0"/>
           </a:xfrm>
           <a:prstGeom prst="straightConnector1">
             <a:avLst/>
@@ -13222,111 +13221,10 @@
           </a:ln>
         </p:spPr>
       </p:cxnSp>
-      <p:pic>
-        <p:nvPicPr>
-          <p:cNvPr id="4" name="Picture 2" descr="https://lh6.googleusercontent.com/vweNJMG8xvLda90KWC6SWvpZDrbZZEwwZJkoWh5LO2HVKT_25wW2hwueMvxZDDhdArsTeXW5cFrmWqyGdJDttR0-hclmqZHXYD461NxP81rImbsDFqz1MROORoHRz8ePlFEAAZKzavPOov_XsJ58AhA=s2048">
-            <a:extLst>
-              <a:ext uri="{FF2B5EF4-FFF2-40B4-BE49-F238E27FC236}">
-                <a16:creationId xmlns:a16="http://schemas.microsoft.com/office/drawing/2014/main" id="{364DE577-CC0C-302A-F1A4-2BBFB5D220B2}"/>
-              </a:ext>
-            </a:extLst>
-          </p:cNvPr>
-          <p:cNvPicPr>
-            <a:picLocks noChangeAspect="1" noChangeArrowheads="1"/>
-          </p:cNvPicPr>
-          <p:nvPr/>
-        </p:nvPicPr>
-        <p:blipFill>
-          <a:blip r:embed="rId3">
-            <a:extLst>
-              <a:ext uri="{28A0092B-C50C-407E-A947-70E740481C1C}">
-                <a14:useLocalDpi xmlns:a14="http://schemas.microsoft.com/office/drawing/2010/main" val="0"/>
-              </a:ext>
-            </a:extLst>
-          </a:blip>
-          <a:srcRect/>
-          <a:stretch>
-            <a:fillRect/>
-          </a:stretch>
-        </p:blipFill>
-        <p:spPr bwMode="auto">
-          <a:xfrm>
-            <a:off x="812499" y="1367831"/>
-            <a:ext cx="5218953" cy="3120392"/>
-          </a:xfrm>
-          <a:prstGeom prst="rect">
-            <a:avLst/>
-          </a:prstGeom>
-          <a:noFill/>
-          <a:extLst>
-            <a:ext uri="{909E8E84-426E-40DD-AFC4-6F175D3DCCD1}">
-              <a14:hiddenFill xmlns:a14="http://schemas.microsoft.com/office/drawing/2010/main">
-                <a:solidFill>
-                  <a:srgbClr val="FFFFFF"/>
-                </a:solidFill>
-              </a14:hiddenFill>
-            </a:ext>
-          </a:extLst>
-        </p:spPr>
-      </p:pic>
-      <p:sp>
-        <p:nvSpPr>
-          <p:cNvPr id="2" name="Rectangle 1">
-            <a:extLst>
-              <a:ext uri="{FF2B5EF4-FFF2-40B4-BE49-F238E27FC236}">
-                <a16:creationId xmlns:a16="http://schemas.microsoft.com/office/drawing/2014/main" id="{9693287A-2C99-AF2C-F2F3-A9986FA613BE}"/>
-              </a:ext>
-            </a:extLst>
-          </p:cNvPr>
-          <p:cNvSpPr/>
-          <p:nvPr/>
-        </p:nvSpPr>
-        <p:spPr>
-          <a:xfrm>
-            <a:off x="920724" y="4009720"/>
-            <a:ext cx="1476586" cy="176107"/>
-          </a:xfrm>
-          <a:prstGeom prst="rect">
-            <a:avLst/>
-          </a:prstGeom>
-          <a:solidFill>
-            <a:schemeClr val="bg2"/>
-          </a:solidFill>
-          <a:ln>
-            <a:solidFill>
-              <a:schemeClr val="bg2"/>
-            </a:solidFill>
-          </a:ln>
-        </p:spPr>
-        <p:style>
-          <a:lnRef idx="2">
-            <a:schemeClr val="accent1">
-              <a:shade val="15000"/>
-            </a:schemeClr>
-          </a:lnRef>
-          <a:fillRef idx="1">
-            <a:schemeClr val="accent1"/>
-          </a:fillRef>
-          <a:effectRef idx="0">
-            <a:schemeClr val="accent1"/>
-          </a:effectRef>
-          <a:fontRef idx="minor">
-            <a:schemeClr val="lt1"/>
-          </a:fontRef>
-        </p:style>
-        <p:txBody>
-          <a:bodyPr rtlCol="0" anchor="ctr"/>
-          <a:lstStyle/>
-          <a:p>
-            <a:pPr algn="ctr"/>
-            <a:endParaRPr lang="en-CA"/>
-          </a:p>
-        </p:txBody>
-      </p:sp>
     </p:spTree>
     <p:extLst>
       <p:ext uri="{BB962C8B-B14F-4D97-AF65-F5344CB8AC3E}">
-        <p14:creationId xmlns:p14="http://schemas.microsoft.com/office/powerpoint/2010/main" val="2003739306"/>
+        <p14:creationId xmlns:p14="http://schemas.microsoft.com/office/powerpoint/2010/main" val="3741517503"/>
       </p:ext>
     </p:extLst>
   </p:cSld>
@@ -13401,7 +13299,7 @@
             </a:pPr>
             <a:r>
               <a:rPr lang="es" dirty="0"/>
-              <a:t>File Naming Best Practices</a:t>
+              <a:t>Human Readable</a:t>
             </a:r>
             <a:endParaRPr b="0" dirty="0"/>
           </a:p>
@@ -13425,8 +13323,8 @@
         </p:nvSpPr>
         <p:spPr>
           <a:xfrm>
-            <a:off x="710749" y="1273174"/>
-            <a:ext cx="4366348" cy="3107237"/>
+            <a:off x="710748" y="1273174"/>
+            <a:ext cx="7518851" cy="3107237"/>
           </a:xfrm>
           <a:prstGeom prst="rect">
             <a:avLst/>
@@ -13453,7 +13351,7 @@
             </a:pPr>
             <a:r>
               <a:rPr lang="es" sz="1800" dirty="0"/>
-              <a:t>Human readable</a:t>
+              <a:t>Can you look at a file name and know what it is?  What about in a year from now?</a:t>
             </a:r>
           </a:p>
           <a:p>
@@ -13472,7 +13370,7 @@
             </a:pPr>
             <a:r>
               <a:rPr lang="es" sz="1800" dirty="0"/>
-              <a:t>Machine readable</a:t>
+              <a:t>Will others be able to look at your files and know what they are?</a:t>
             </a:r>
           </a:p>
           <a:p>
@@ -13491,7 +13389,7 @@
             </a:pPr>
             <a:r>
               <a:rPr lang="es" sz="1800" dirty="0"/>
-              <a:t>Be consisent!</a:t>
+              <a:t>Will you/others be able to easily find a file you’re/they’re looking for?</a:t>
             </a:r>
           </a:p>
         </p:txBody>
@@ -13533,7 +13431,7 @@
     </p:spTree>
     <p:extLst>
       <p:ext uri="{BB962C8B-B14F-4D97-AF65-F5344CB8AC3E}">
-        <p14:creationId xmlns:p14="http://schemas.microsoft.com/office/powerpoint/2010/main" val="3741517503"/>
+        <p14:creationId xmlns:p14="http://schemas.microsoft.com/office/powerpoint/2010/main" val="4285371583"/>
       </p:ext>
     </p:extLst>
   </p:cSld>
@@ -13632,8 +13530,8 @@
         </p:nvSpPr>
         <p:spPr>
           <a:xfrm>
-            <a:off x="710748" y="1273174"/>
-            <a:ext cx="7518851" cy="3107237"/>
+            <a:off x="710749" y="1273174"/>
+            <a:ext cx="3861252" cy="3107237"/>
           </a:xfrm>
           <a:prstGeom prst="rect">
             <a:avLst/>
@@ -13646,9 +13544,6 @@
           <a:lstStyle/>
           <a:p>
             <a:pPr marL="285750" lvl="0" indent="-285750" algn="l" rtl="0">
-              <a:lnSpc>
-                <a:spcPct val="150000"/>
-              </a:lnSpc>
               <a:spcBef>
                 <a:spcPts val="0"/>
               </a:spcBef>
@@ -13659,15 +13554,23 @@
               <a:buChar char="•"/>
             </a:pPr>
             <a:r>
-              <a:rPr lang="es" sz="1800" dirty="0"/>
-              <a:t>Can you look at a file name and know what it is?  What about in a year from now?</a:t>
-            </a:r>
+              <a:rPr lang="es" sz="1600" dirty="0"/>
+              <a:t>Short but complete names</a:t>
+            </a:r>
+          </a:p>
+          <a:p>
+            <a:pPr marL="0" lvl="0" indent="0" algn="l" rtl="0">
+              <a:spcBef>
+                <a:spcPts val="0"/>
+              </a:spcBef>
+              <a:spcAft>
+                <a:spcPts val="0"/>
+              </a:spcAft>
+            </a:pPr>
+            <a:endParaRPr lang="es" sz="1600" dirty="0"/>
           </a:p>
           <a:p>
             <a:pPr marL="285750" lvl="0" indent="-285750" algn="l" rtl="0">
-              <a:lnSpc>
-                <a:spcPct val="150000"/>
-              </a:lnSpc>
               <a:spcBef>
                 <a:spcPts val="0"/>
               </a:spcBef>
@@ -13678,15 +13581,12 @@
               <a:buChar char="•"/>
             </a:pPr>
             <a:r>
-              <a:rPr lang="es" sz="1800" dirty="0"/>
-              <a:t>Will others be able to look at your files and know what they are?</a:t>
+              <a:rPr lang="es" sz="1600" dirty="0"/>
+              <a:t>Ideally 3-5 conceptual elements</a:t>
             </a:r>
           </a:p>
           <a:p>
             <a:pPr marL="285750" lvl="0" indent="-285750" algn="l" rtl="0">
-              <a:lnSpc>
-                <a:spcPct val="150000"/>
-              </a:lnSpc>
               <a:spcBef>
                 <a:spcPts val="0"/>
               </a:spcBef>
@@ -13696,9 +13596,49 @@
               <a:buFont typeface="Arial" panose="020B0604020202020204" pitchFamily="34" charset="0"/>
               <a:buChar char="•"/>
             </a:pPr>
-            <a:r>
-              <a:rPr lang="es" sz="1800" dirty="0"/>
-              <a:t>Will you/others be able to easily find a file you’re/they’re looking for?</a:t>
+            <a:endParaRPr lang="es" sz="1600" dirty="0"/>
+          </a:p>
+          <a:p>
+            <a:pPr marL="285750" lvl="0" indent="-285750" algn="l" rtl="0">
+              <a:spcBef>
+                <a:spcPts val="0"/>
+              </a:spcBef>
+              <a:spcAft>
+                <a:spcPts val="0"/>
+              </a:spcAft>
+              <a:buFont typeface="Arial" panose="020B0604020202020204" pitchFamily="34" charset="0"/>
+              <a:buChar char="•"/>
+            </a:pPr>
+            <a:r>
+              <a:rPr lang="es" sz="1600" dirty="0"/>
+              <a:t>Write down your naming conventions and document in a README file</a:t>
+            </a:r>
+          </a:p>
+          <a:p>
+            <a:pPr marL="0" lvl="0" indent="0" algn="l" rtl="0">
+              <a:spcBef>
+                <a:spcPts val="0"/>
+              </a:spcBef>
+              <a:spcAft>
+                <a:spcPts val="0"/>
+              </a:spcAft>
+            </a:pPr>
+            <a:endParaRPr lang="es" sz="1600" dirty="0"/>
+          </a:p>
+          <a:p>
+            <a:pPr marL="285750" lvl="0" indent="-285750" algn="l" rtl="0">
+              <a:spcBef>
+                <a:spcPts val="0"/>
+              </a:spcBef>
+              <a:spcAft>
+                <a:spcPts val="0"/>
+              </a:spcAft>
+              <a:buFont typeface="Arial" panose="020B0604020202020204" pitchFamily="34" charset="0"/>
+              <a:buChar char="•"/>
+            </a:pPr>
+            <a:r>
+              <a:rPr lang="es" sz="1600" dirty="0"/>
+              <a:t>Define acronyms, abbreviations, codes, etc.</a:t>
             </a:r>
           </a:p>
         </p:txBody>
@@ -13740,7 +13680,7 @@
     </p:spTree>
     <p:extLst>
       <p:ext uri="{BB962C8B-B14F-4D97-AF65-F5344CB8AC3E}">
-        <p14:creationId xmlns:p14="http://schemas.microsoft.com/office/powerpoint/2010/main" val="4285371583"/>
+        <p14:creationId xmlns:p14="http://schemas.microsoft.com/office/powerpoint/2010/main" val="2564063096"/>
       </p:ext>
     </p:extLst>
   </p:cSld>
@@ -13986,10 +13926,468 @@
           </a:ln>
         </p:spPr>
       </p:cxnSp>
+      <p:sp>
+        <p:nvSpPr>
+          <p:cNvPr id="4" name="Rectangle 3">
+            <a:extLst>
+              <a:ext uri="{FF2B5EF4-FFF2-40B4-BE49-F238E27FC236}">
+                <a16:creationId xmlns:a16="http://schemas.microsoft.com/office/drawing/2014/main" id="{2F618B81-67AE-74B9-AFD3-0CF35B27C739}"/>
+              </a:ext>
+            </a:extLst>
+          </p:cNvPr>
+          <p:cNvSpPr/>
+          <p:nvPr/>
+        </p:nvSpPr>
+        <p:spPr>
+          <a:xfrm>
+            <a:off x="4705310" y="1273173"/>
+            <a:ext cx="3508021" cy="2946563"/>
+          </a:xfrm>
+          <a:prstGeom prst="rect">
+            <a:avLst/>
+          </a:prstGeom>
+          <a:solidFill>
+            <a:srgbClr val="76D6FF"/>
+          </a:solidFill>
+        </p:spPr>
+        <p:style>
+          <a:lnRef idx="2">
+            <a:schemeClr val="accent1">
+              <a:shade val="50000"/>
+            </a:schemeClr>
+          </a:lnRef>
+          <a:fillRef idx="1">
+            <a:schemeClr val="accent1"/>
+          </a:fillRef>
+          <a:effectRef idx="0">
+            <a:schemeClr val="accent1"/>
+          </a:effectRef>
+          <a:fontRef idx="minor">
+            <a:schemeClr val="lt1"/>
+          </a:fontRef>
+        </p:style>
+        <p:txBody>
+          <a:bodyPr rtlCol="0" anchor="ctr"/>
+          <a:lstStyle/>
+          <a:p>
+            <a:pPr algn="ctr"/>
+            <a:endParaRPr lang="en-CA" dirty="0"/>
+          </a:p>
+        </p:txBody>
+      </p:sp>
+      <p:sp>
+        <p:nvSpPr>
+          <p:cNvPr id="7" name="Google Shape;80;p16">
+            <a:extLst>
+              <a:ext uri="{FF2B5EF4-FFF2-40B4-BE49-F238E27FC236}">
+                <a16:creationId xmlns:a16="http://schemas.microsoft.com/office/drawing/2014/main" id="{3B72E184-C10A-F187-DC04-B345A3D4B9A4}"/>
+              </a:ext>
+            </a:extLst>
+          </p:cNvPr>
+          <p:cNvSpPr txBox="1">
+            <a:spLocks/>
+          </p:cNvSpPr>
+          <p:nvPr/>
+        </p:nvSpPr>
+        <p:spPr>
+          <a:xfrm>
+            <a:off x="4943854" y="1272959"/>
+            <a:ext cx="3837000" cy="3695100"/>
+          </a:xfrm>
+          <a:prstGeom prst="rect">
+            <a:avLst/>
+          </a:prstGeom>
+        </p:spPr>
+        <p:txBody>
+          <a:bodyPr spcFirstLastPara="1" wrap="square" lIns="91425" tIns="91425" rIns="91425" bIns="91425" anchor="t" anchorCtr="0">
+            <a:noAutofit/>
+          </a:bodyPr>
+          <a:lstStyle>
+            <a:lvl1pPr marL="91440" indent="-91440" algn="l" defTabSz="914400" rtl="0" eaLnBrk="1" latinLnBrk="0" hangingPunct="1">
+              <a:lnSpc>
+                <a:spcPct val="90000"/>
+              </a:lnSpc>
+              <a:spcBef>
+                <a:spcPts val="1200"/>
+              </a:spcBef>
+              <a:spcAft>
+                <a:spcPts val="200"/>
+              </a:spcAft>
+              <a:buClr>
+                <a:schemeClr val="accent1"/>
+              </a:buClr>
+              <a:buSzPct val="100000"/>
+              <a:buFont typeface="Tw Cen MT" panose="020B0602020104020603" pitchFamily="34" charset="0"/>
+              <a:buChar char=" "/>
+              <a:defRPr sz="2200" kern="1200">
+                <a:solidFill>
+                  <a:schemeClr val="tx1"/>
+                </a:solidFill>
+                <a:latin typeface="+mn-lt"/>
+                <a:ea typeface="+mn-ea"/>
+                <a:cs typeface="+mn-cs"/>
+              </a:defRPr>
+            </a:lvl1pPr>
+            <a:lvl2pPr marL="265176" indent="-137160" algn="l" defTabSz="914400" rtl="0" eaLnBrk="1" latinLnBrk="0" hangingPunct="1">
+              <a:lnSpc>
+                <a:spcPct val="90000"/>
+              </a:lnSpc>
+              <a:spcBef>
+                <a:spcPts val="200"/>
+              </a:spcBef>
+              <a:spcAft>
+                <a:spcPts val="400"/>
+              </a:spcAft>
+              <a:buClr>
+                <a:schemeClr val="accent1"/>
+              </a:buClr>
+              <a:buFont typeface="Wingdings 3" pitchFamily="18" charset="2"/>
+              <a:buChar char=""/>
+              <a:defRPr sz="1800" kern="1200">
+                <a:solidFill>
+                  <a:schemeClr val="tx1"/>
+                </a:solidFill>
+                <a:latin typeface="+mn-lt"/>
+                <a:ea typeface="+mn-ea"/>
+                <a:cs typeface="+mn-cs"/>
+              </a:defRPr>
+            </a:lvl2pPr>
+            <a:lvl3pPr marL="448056" indent="-137160" algn="l" defTabSz="914400" rtl="0" eaLnBrk="1" latinLnBrk="0" hangingPunct="1">
+              <a:lnSpc>
+                <a:spcPct val="90000"/>
+              </a:lnSpc>
+              <a:spcBef>
+                <a:spcPts val="200"/>
+              </a:spcBef>
+              <a:spcAft>
+                <a:spcPts val="400"/>
+              </a:spcAft>
+              <a:buClr>
+                <a:schemeClr val="accent1"/>
+              </a:buClr>
+              <a:buFont typeface="Wingdings 3" pitchFamily="18" charset="2"/>
+              <a:buChar char=""/>
+              <a:defRPr sz="1400" kern="1200">
+                <a:solidFill>
+                  <a:schemeClr val="tx1"/>
+                </a:solidFill>
+                <a:latin typeface="+mn-lt"/>
+                <a:ea typeface="+mn-ea"/>
+                <a:cs typeface="+mn-cs"/>
+              </a:defRPr>
+            </a:lvl3pPr>
+            <a:lvl4pPr marL="594360" indent="-137160" algn="l" defTabSz="914400" rtl="0" eaLnBrk="1" latinLnBrk="0" hangingPunct="1">
+              <a:lnSpc>
+                <a:spcPct val="90000"/>
+              </a:lnSpc>
+              <a:spcBef>
+                <a:spcPts val="200"/>
+              </a:spcBef>
+              <a:spcAft>
+                <a:spcPts val="400"/>
+              </a:spcAft>
+              <a:buClr>
+                <a:schemeClr val="accent1"/>
+              </a:buClr>
+              <a:buFont typeface="Wingdings 3" pitchFamily="18" charset="2"/>
+              <a:buChar char=""/>
+              <a:defRPr sz="1400" kern="1200">
+                <a:solidFill>
+                  <a:schemeClr val="tx1"/>
+                </a:solidFill>
+                <a:latin typeface="+mn-lt"/>
+                <a:ea typeface="+mn-ea"/>
+                <a:cs typeface="+mn-cs"/>
+              </a:defRPr>
+            </a:lvl4pPr>
+            <a:lvl5pPr marL="777240" indent="-137160" algn="l" defTabSz="914400" rtl="0" eaLnBrk="1" latinLnBrk="0" hangingPunct="1">
+              <a:lnSpc>
+                <a:spcPct val="90000"/>
+              </a:lnSpc>
+              <a:spcBef>
+                <a:spcPts val="200"/>
+              </a:spcBef>
+              <a:spcAft>
+                <a:spcPts val="400"/>
+              </a:spcAft>
+              <a:buClr>
+                <a:schemeClr val="accent1"/>
+              </a:buClr>
+              <a:buFont typeface="Wingdings 3" pitchFamily="18" charset="2"/>
+              <a:buChar char=""/>
+              <a:defRPr sz="1400" kern="1200">
+                <a:solidFill>
+                  <a:schemeClr val="tx1"/>
+                </a:solidFill>
+                <a:latin typeface="+mn-lt"/>
+                <a:ea typeface="+mn-ea"/>
+                <a:cs typeface="+mn-cs"/>
+              </a:defRPr>
+            </a:lvl5pPr>
+            <a:lvl6pPr marL="914400" indent="-137160" algn="l" defTabSz="914400" rtl="0" eaLnBrk="1" latinLnBrk="0" hangingPunct="1">
+              <a:lnSpc>
+                <a:spcPct val="90000"/>
+              </a:lnSpc>
+              <a:spcBef>
+                <a:spcPts val="200"/>
+              </a:spcBef>
+              <a:spcAft>
+                <a:spcPts val="400"/>
+              </a:spcAft>
+              <a:buClr>
+                <a:schemeClr val="accent1"/>
+              </a:buClr>
+              <a:buFont typeface="Wingdings 3" pitchFamily="18" charset="2"/>
+              <a:buChar char=""/>
+              <a:defRPr sz="1400" kern="1200">
+                <a:solidFill>
+                  <a:schemeClr val="tx1"/>
+                </a:solidFill>
+                <a:latin typeface="+mn-lt"/>
+                <a:ea typeface="+mn-ea"/>
+                <a:cs typeface="+mn-cs"/>
+              </a:defRPr>
+            </a:lvl6pPr>
+            <a:lvl7pPr marL="1060704" indent="-137160" algn="l" defTabSz="914400" rtl="0" eaLnBrk="1" latinLnBrk="0" hangingPunct="1">
+              <a:lnSpc>
+                <a:spcPct val="90000"/>
+              </a:lnSpc>
+              <a:spcBef>
+                <a:spcPts val="200"/>
+              </a:spcBef>
+              <a:spcAft>
+                <a:spcPts val="400"/>
+              </a:spcAft>
+              <a:buClr>
+                <a:schemeClr val="accent1"/>
+              </a:buClr>
+              <a:buFont typeface="Wingdings 3" pitchFamily="18" charset="2"/>
+              <a:buChar char=""/>
+              <a:defRPr sz="1400" kern="1200">
+                <a:solidFill>
+                  <a:schemeClr val="tx1"/>
+                </a:solidFill>
+                <a:latin typeface="+mn-lt"/>
+                <a:ea typeface="+mn-ea"/>
+                <a:cs typeface="+mn-cs"/>
+              </a:defRPr>
+            </a:lvl7pPr>
+            <a:lvl8pPr marL="1216152" indent="-137160" algn="l" defTabSz="914400" rtl="0" eaLnBrk="1" latinLnBrk="0" hangingPunct="1">
+              <a:lnSpc>
+                <a:spcPct val="90000"/>
+              </a:lnSpc>
+              <a:spcBef>
+                <a:spcPts val="200"/>
+              </a:spcBef>
+              <a:spcAft>
+                <a:spcPts val="400"/>
+              </a:spcAft>
+              <a:buClr>
+                <a:schemeClr val="accent1"/>
+              </a:buClr>
+              <a:buFont typeface="Wingdings 3" pitchFamily="18" charset="2"/>
+              <a:buChar char=""/>
+              <a:defRPr sz="1400" kern="1200">
+                <a:solidFill>
+                  <a:schemeClr val="tx1"/>
+                </a:solidFill>
+                <a:latin typeface="+mn-lt"/>
+                <a:ea typeface="+mn-ea"/>
+                <a:cs typeface="+mn-cs"/>
+              </a:defRPr>
+            </a:lvl8pPr>
+            <a:lvl9pPr marL="1362456" indent="-137160" algn="l" defTabSz="914400" rtl="0" eaLnBrk="1" latinLnBrk="0" hangingPunct="1">
+              <a:lnSpc>
+                <a:spcPct val="90000"/>
+              </a:lnSpc>
+              <a:spcBef>
+                <a:spcPts val="200"/>
+              </a:spcBef>
+              <a:spcAft>
+                <a:spcPts val="400"/>
+              </a:spcAft>
+              <a:buClr>
+                <a:schemeClr val="accent1"/>
+              </a:buClr>
+              <a:buFont typeface="Wingdings 3" pitchFamily="18" charset="2"/>
+              <a:buChar char=""/>
+              <a:defRPr sz="1400" kern="1200">
+                <a:solidFill>
+                  <a:schemeClr val="tx1"/>
+                </a:solidFill>
+                <a:latin typeface="+mn-lt"/>
+                <a:ea typeface="+mn-ea"/>
+                <a:cs typeface="+mn-cs"/>
+              </a:defRPr>
+            </a:lvl9pPr>
+          </a:lstStyle>
+          <a:p>
+            <a:pPr marL="0" indent="0">
+              <a:spcBef>
+                <a:spcPts val="800"/>
+              </a:spcBef>
+              <a:spcAft>
+                <a:spcPts val="1600"/>
+              </a:spcAft>
+              <a:buFont typeface="Tw Cen MT" panose="020B0602020104020603" pitchFamily="34" charset="0"/>
+              <a:buNone/>
+            </a:pPr>
+            <a:r>
+              <a:rPr lang="en-US" sz="1200" b="1" dirty="0"/>
+              <a:t>Elements to consider in naming files:</a:t>
+            </a:r>
+          </a:p>
+          <a:p>
+            <a:pPr>
+              <a:lnSpc>
+                <a:spcPct val="100000"/>
+              </a:lnSpc>
+              <a:spcBef>
+                <a:spcPts val="800"/>
+              </a:spcBef>
+              <a:buFont typeface="Arial" panose="020B0604020202020204" pitchFamily="34" charset="0"/>
+              <a:buChar char="•"/>
+            </a:pPr>
+            <a:r>
+              <a:rPr lang="en-US" sz="1200" dirty="0"/>
+              <a:t> Date of creation/collection</a:t>
+            </a:r>
+          </a:p>
+          <a:p>
+            <a:pPr>
+              <a:lnSpc>
+                <a:spcPct val="100000"/>
+              </a:lnSpc>
+              <a:spcBef>
+                <a:spcPts val="800"/>
+              </a:spcBef>
+              <a:buFont typeface="Arial" panose="020B0604020202020204" pitchFamily="34" charset="0"/>
+              <a:buChar char="•"/>
+            </a:pPr>
+            <a:r>
+              <a:rPr lang="en-US" sz="1200" dirty="0"/>
+              <a:t> Short description </a:t>
+            </a:r>
+          </a:p>
+          <a:p>
+            <a:pPr>
+              <a:lnSpc>
+                <a:spcPct val="100000"/>
+              </a:lnSpc>
+              <a:spcBef>
+                <a:spcPts val="800"/>
+              </a:spcBef>
+              <a:buFont typeface="Arial" panose="020B0604020202020204" pitchFamily="34" charset="0"/>
+              <a:buChar char="•"/>
+            </a:pPr>
+            <a:r>
+              <a:rPr lang="en-US" sz="1200" dirty="0"/>
+              <a:t> Group/affiliation</a:t>
+            </a:r>
+          </a:p>
+          <a:p>
+            <a:pPr>
+              <a:lnSpc>
+                <a:spcPct val="100000"/>
+              </a:lnSpc>
+              <a:spcBef>
+                <a:spcPts val="800"/>
+              </a:spcBef>
+              <a:buFont typeface="Arial" panose="020B0604020202020204" pitchFamily="34" charset="0"/>
+              <a:buChar char="•"/>
+            </a:pPr>
+            <a:r>
+              <a:rPr lang="en-US" sz="1200" dirty="0"/>
+              <a:t> Activity </a:t>
+            </a:r>
+          </a:p>
+          <a:p>
+            <a:pPr>
+              <a:lnSpc>
+                <a:spcPct val="100000"/>
+              </a:lnSpc>
+              <a:spcBef>
+                <a:spcPts val="800"/>
+              </a:spcBef>
+              <a:buFont typeface="Arial" panose="020B0604020202020204" pitchFamily="34" charset="0"/>
+              <a:buChar char="•"/>
+            </a:pPr>
+            <a:r>
+              <a:rPr lang="en-US" sz="1200" dirty="0"/>
+              <a:t> Location</a:t>
+            </a:r>
+          </a:p>
+          <a:p>
+            <a:pPr>
+              <a:lnSpc>
+                <a:spcPct val="100000"/>
+              </a:lnSpc>
+              <a:spcBef>
+                <a:spcPts val="800"/>
+              </a:spcBef>
+              <a:buFont typeface="Arial" panose="020B0604020202020204" pitchFamily="34" charset="0"/>
+              <a:buChar char="•"/>
+            </a:pPr>
+            <a:r>
+              <a:rPr lang="en-US" sz="1200" dirty="0"/>
+              <a:t> Editor/creator</a:t>
+            </a:r>
+          </a:p>
+          <a:p>
+            <a:pPr>
+              <a:lnSpc>
+                <a:spcPct val="100000"/>
+              </a:lnSpc>
+              <a:spcBef>
+                <a:spcPts val="800"/>
+              </a:spcBef>
+              <a:buFont typeface="Arial" panose="020B0604020202020204" pitchFamily="34" charset="0"/>
+              <a:buChar char="•"/>
+            </a:pPr>
+            <a:r>
+              <a:rPr lang="en-US" sz="1200" dirty="0"/>
+              <a:t> Other relevant information</a:t>
+            </a:r>
+          </a:p>
+          <a:p>
+            <a:pPr marL="285750" indent="-285750">
+              <a:lnSpc>
+                <a:spcPct val="100000"/>
+              </a:lnSpc>
+              <a:spcBef>
+                <a:spcPts val="800"/>
+              </a:spcBef>
+            </a:pPr>
+            <a:endParaRPr lang="en-US" sz="1200" dirty="0"/>
+          </a:p>
+          <a:p>
+            <a:pPr marL="285750" indent="-285750">
+              <a:lnSpc>
+                <a:spcPct val="100000"/>
+              </a:lnSpc>
+              <a:spcBef>
+                <a:spcPts val="800"/>
+              </a:spcBef>
+            </a:pPr>
+            <a:endParaRPr lang="en-US" sz="1200" dirty="0"/>
+          </a:p>
+          <a:p>
+            <a:pPr marL="285750" indent="-285750">
+              <a:spcBef>
+                <a:spcPts val="800"/>
+              </a:spcBef>
+              <a:spcAft>
+                <a:spcPts val="1600"/>
+              </a:spcAft>
+            </a:pPr>
+            <a:endParaRPr lang="en-US" sz="1500" dirty="0"/>
+          </a:p>
+        </p:txBody>
+      </p:sp>
     </p:spTree>
     <p:extLst>
       <p:ext uri="{BB962C8B-B14F-4D97-AF65-F5344CB8AC3E}">
-        <p14:creationId xmlns:p14="http://schemas.microsoft.com/office/powerpoint/2010/main" val="2564063096"/>
+        <p14:creationId xmlns:p14="http://schemas.microsoft.com/office/powerpoint/2010/main" val="1014573603"/>
       </p:ext>
     </p:extLst>
   </p:cSld>
@@ -14064,7 +14462,7 @@
             </a:pPr>
             <a:r>
               <a:rPr lang="es" dirty="0"/>
-              <a:t>Human Readable</a:t>
+              <a:t>Machine Readable</a:t>
             </a:r>
             <a:endParaRPr b="0" dirty="0"/>
           </a:p>
@@ -14113,7 +14511,7 @@
             </a:pPr>
             <a:r>
               <a:rPr lang="es" sz="1600" dirty="0"/>
-              <a:t>Short but complete names</a:t>
+              <a:t>How will a computer sort your file names?</a:t>
             </a:r>
           </a:p>
           <a:p>
@@ -14140,63 +14538,7 @@
             </a:pPr>
             <a:r>
               <a:rPr lang="es" sz="1600" dirty="0"/>
-              <a:t>Ideally 3-5 conceptual elements</a:t>
-            </a:r>
-          </a:p>
-          <a:p>
-            <a:pPr marL="285750" lvl="0" indent="-285750" algn="l" rtl="0">
-              <a:spcBef>
-                <a:spcPts val="0"/>
-              </a:spcBef>
-              <a:spcAft>
-                <a:spcPts val="0"/>
-              </a:spcAft>
-              <a:buFont typeface="Arial" panose="020B0604020202020204" pitchFamily="34" charset="0"/>
-              <a:buChar char="•"/>
-            </a:pPr>
-            <a:endParaRPr lang="es" sz="1600" dirty="0"/>
-          </a:p>
-          <a:p>
-            <a:pPr marL="285750" lvl="0" indent="-285750" algn="l" rtl="0">
-              <a:spcBef>
-                <a:spcPts val="0"/>
-              </a:spcBef>
-              <a:spcAft>
-                <a:spcPts val="0"/>
-              </a:spcAft>
-              <a:buFont typeface="Arial" panose="020B0604020202020204" pitchFamily="34" charset="0"/>
-              <a:buChar char="•"/>
-            </a:pPr>
-            <a:r>
-              <a:rPr lang="es" sz="1600" dirty="0"/>
-              <a:t>Write down your naming conventions and document in a README file</a:t>
-            </a:r>
-          </a:p>
-          <a:p>
-            <a:pPr marL="0" lvl="0" indent="0" algn="l" rtl="0">
-              <a:spcBef>
-                <a:spcPts val="0"/>
-              </a:spcBef>
-              <a:spcAft>
-                <a:spcPts val="0"/>
-              </a:spcAft>
-            </a:pPr>
-            <a:endParaRPr lang="es" sz="1600" dirty="0"/>
-          </a:p>
-          <a:p>
-            <a:pPr marL="285750" lvl="0" indent="-285750" algn="l" rtl="0">
-              <a:spcBef>
-                <a:spcPts val="0"/>
-              </a:spcBef>
-              <a:spcAft>
-                <a:spcPts val="0"/>
-              </a:spcAft>
-              <a:buFont typeface="Arial" panose="020B0604020202020204" pitchFamily="34" charset="0"/>
-              <a:buChar char="•"/>
-            </a:pPr>
-            <a:r>
-              <a:rPr lang="es" sz="1600" dirty="0"/>
-              <a:t>Define acronyms, abbreviations, codes, etc.</a:t>
+              <a:t>If files move from one computer / application / operating system to another, will they remain interpretable in the same way?</a:t>
             </a:r>
           </a:p>
         </p:txBody>
@@ -14235,468 +14577,10 @@
           </a:ln>
         </p:spPr>
       </p:cxnSp>
-      <p:sp>
-        <p:nvSpPr>
-          <p:cNvPr id="4" name="Rectangle 3">
-            <a:extLst>
-              <a:ext uri="{FF2B5EF4-FFF2-40B4-BE49-F238E27FC236}">
-                <a16:creationId xmlns:a16="http://schemas.microsoft.com/office/drawing/2014/main" id="{2F618B81-67AE-74B9-AFD3-0CF35B27C739}"/>
-              </a:ext>
-            </a:extLst>
-          </p:cNvPr>
-          <p:cNvSpPr/>
-          <p:nvPr/>
-        </p:nvSpPr>
-        <p:spPr>
-          <a:xfrm>
-            <a:off x="4705310" y="1273173"/>
-            <a:ext cx="3508021" cy="2946563"/>
-          </a:xfrm>
-          <a:prstGeom prst="rect">
-            <a:avLst/>
-          </a:prstGeom>
-          <a:solidFill>
-            <a:srgbClr val="76D6FF"/>
-          </a:solidFill>
-        </p:spPr>
-        <p:style>
-          <a:lnRef idx="2">
-            <a:schemeClr val="accent1">
-              <a:shade val="50000"/>
-            </a:schemeClr>
-          </a:lnRef>
-          <a:fillRef idx="1">
-            <a:schemeClr val="accent1"/>
-          </a:fillRef>
-          <a:effectRef idx="0">
-            <a:schemeClr val="accent1"/>
-          </a:effectRef>
-          <a:fontRef idx="minor">
-            <a:schemeClr val="lt1"/>
-          </a:fontRef>
-        </p:style>
-        <p:txBody>
-          <a:bodyPr rtlCol="0" anchor="ctr"/>
-          <a:lstStyle/>
-          <a:p>
-            <a:pPr algn="ctr"/>
-            <a:endParaRPr lang="en-CA" dirty="0"/>
-          </a:p>
-        </p:txBody>
-      </p:sp>
-      <p:sp>
-        <p:nvSpPr>
-          <p:cNvPr id="7" name="Google Shape;80;p16">
-            <a:extLst>
-              <a:ext uri="{FF2B5EF4-FFF2-40B4-BE49-F238E27FC236}">
-                <a16:creationId xmlns:a16="http://schemas.microsoft.com/office/drawing/2014/main" id="{3B72E184-C10A-F187-DC04-B345A3D4B9A4}"/>
-              </a:ext>
-            </a:extLst>
-          </p:cNvPr>
-          <p:cNvSpPr txBox="1">
-            <a:spLocks/>
-          </p:cNvSpPr>
-          <p:nvPr/>
-        </p:nvSpPr>
-        <p:spPr>
-          <a:xfrm>
-            <a:off x="4943854" y="1272959"/>
-            <a:ext cx="3837000" cy="3695100"/>
-          </a:xfrm>
-          <a:prstGeom prst="rect">
-            <a:avLst/>
-          </a:prstGeom>
-        </p:spPr>
-        <p:txBody>
-          <a:bodyPr spcFirstLastPara="1" wrap="square" lIns="91425" tIns="91425" rIns="91425" bIns="91425" anchor="t" anchorCtr="0">
-            <a:noAutofit/>
-          </a:bodyPr>
-          <a:lstStyle>
-            <a:lvl1pPr marL="91440" indent="-91440" algn="l" defTabSz="914400" rtl="0" eaLnBrk="1" latinLnBrk="0" hangingPunct="1">
-              <a:lnSpc>
-                <a:spcPct val="90000"/>
-              </a:lnSpc>
-              <a:spcBef>
-                <a:spcPts val="1200"/>
-              </a:spcBef>
-              <a:spcAft>
-                <a:spcPts val="200"/>
-              </a:spcAft>
-              <a:buClr>
-                <a:schemeClr val="accent1"/>
-              </a:buClr>
-              <a:buSzPct val="100000"/>
-              <a:buFont typeface="Tw Cen MT" panose="020B0602020104020603" pitchFamily="34" charset="0"/>
-              <a:buChar char=" "/>
-              <a:defRPr sz="2200" kern="1200">
-                <a:solidFill>
-                  <a:schemeClr val="tx1"/>
-                </a:solidFill>
-                <a:latin typeface="+mn-lt"/>
-                <a:ea typeface="+mn-ea"/>
-                <a:cs typeface="+mn-cs"/>
-              </a:defRPr>
-            </a:lvl1pPr>
-            <a:lvl2pPr marL="265176" indent="-137160" algn="l" defTabSz="914400" rtl="0" eaLnBrk="1" latinLnBrk="0" hangingPunct="1">
-              <a:lnSpc>
-                <a:spcPct val="90000"/>
-              </a:lnSpc>
-              <a:spcBef>
-                <a:spcPts val="200"/>
-              </a:spcBef>
-              <a:spcAft>
-                <a:spcPts val="400"/>
-              </a:spcAft>
-              <a:buClr>
-                <a:schemeClr val="accent1"/>
-              </a:buClr>
-              <a:buFont typeface="Wingdings 3" pitchFamily="18" charset="2"/>
-              <a:buChar char=""/>
-              <a:defRPr sz="1800" kern="1200">
-                <a:solidFill>
-                  <a:schemeClr val="tx1"/>
-                </a:solidFill>
-                <a:latin typeface="+mn-lt"/>
-                <a:ea typeface="+mn-ea"/>
-                <a:cs typeface="+mn-cs"/>
-              </a:defRPr>
-            </a:lvl2pPr>
-            <a:lvl3pPr marL="448056" indent="-137160" algn="l" defTabSz="914400" rtl="0" eaLnBrk="1" latinLnBrk="0" hangingPunct="1">
-              <a:lnSpc>
-                <a:spcPct val="90000"/>
-              </a:lnSpc>
-              <a:spcBef>
-                <a:spcPts val="200"/>
-              </a:spcBef>
-              <a:spcAft>
-                <a:spcPts val="400"/>
-              </a:spcAft>
-              <a:buClr>
-                <a:schemeClr val="accent1"/>
-              </a:buClr>
-              <a:buFont typeface="Wingdings 3" pitchFamily="18" charset="2"/>
-              <a:buChar char=""/>
-              <a:defRPr sz="1400" kern="1200">
-                <a:solidFill>
-                  <a:schemeClr val="tx1"/>
-                </a:solidFill>
-                <a:latin typeface="+mn-lt"/>
-                <a:ea typeface="+mn-ea"/>
-                <a:cs typeface="+mn-cs"/>
-              </a:defRPr>
-            </a:lvl3pPr>
-            <a:lvl4pPr marL="594360" indent="-137160" algn="l" defTabSz="914400" rtl="0" eaLnBrk="1" latinLnBrk="0" hangingPunct="1">
-              <a:lnSpc>
-                <a:spcPct val="90000"/>
-              </a:lnSpc>
-              <a:spcBef>
-                <a:spcPts val="200"/>
-              </a:spcBef>
-              <a:spcAft>
-                <a:spcPts val="400"/>
-              </a:spcAft>
-              <a:buClr>
-                <a:schemeClr val="accent1"/>
-              </a:buClr>
-              <a:buFont typeface="Wingdings 3" pitchFamily="18" charset="2"/>
-              <a:buChar char=""/>
-              <a:defRPr sz="1400" kern="1200">
-                <a:solidFill>
-                  <a:schemeClr val="tx1"/>
-                </a:solidFill>
-                <a:latin typeface="+mn-lt"/>
-                <a:ea typeface="+mn-ea"/>
-                <a:cs typeface="+mn-cs"/>
-              </a:defRPr>
-            </a:lvl4pPr>
-            <a:lvl5pPr marL="777240" indent="-137160" algn="l" defTabSz="914400" rtl="0" eaLnBrk="1" latinLnBrk="0" hangingPunct="1">
-              <a:lnSpc>
-                <a:spcPct val="90000"/>
-              </a:lnSpc>
-              <a:spcBef>
-                <a:spcPts val="200"/>
-              </a:spcBef>
-              <a:spcAft>
-                <a:spcPts val="400"/>
-              </a:spcAft>
-              <a:buClr>
-                <a:schemeClr val="accent1"/>
-              </a:buClr>
-              <a:buFont typeface="Wingdings 3" pitchFamily="18" charset="2"/>
-              <a:buChar char=""/>
-              <a:defRPr sz="1400" kern="1200">
-                <a:solidFill>
-                  <a:schemeClr val="tx1"/>
-                </a:solidFill>
-                <a:latin typeface="+mn-lt"/>
-                <a:ea typeface="+mn-ea"/>
-                <a:cs typeface="+mn-cs"/>
-              </a:defRPr>
-            </a:lvl5pPr>
-            <a:lvl6pPr marL="914400" indent="-137160" algn="l" defTabSz="914400" rtl="0" eaLnBrk="1" latinLnBrk="0" hangingPunct="1">
-              <a:lnSpc>
-                <a:spcPct val="90000"/>
-              </a:lnSpc>
-              <a:spcBef>
-                <a:spcPts val="200"/>
-              </a:spcBef>
-              <a:spcAft>
-                <a:spcPts val="400"/>
-              </a:spcAft>
-              <a:buClr>
-                <a:schemeClr val="accent1"/>
-              </a:buClr>
-              <a:buFont typeface="Wingdings 3" pitchFamily="18" charset="2"/>
-              <a:buChar char=""/>
-              <a:defRPr sz="1400" kern="1200">
-                <a:solidFill>
-                  <a:schemeClr val="tx1"/>
-                </a:solidFill>
-                <a:latin typeface="+mn-lt"/>
-                <a:ea typeface="+mn-ea"/>
-                <a:cs typeface="+mn-cs"/>
-              </a:defRPr>
-            </a:lvl6pPr>
-            <a:lvl7pPr marL="1060704" indent="-137160" algn="l" defTabSz="914400" rtl="0" eaLnBrk="1" latinLnBrk="0" hangingPunct="1">
-              <a:lnSpc>
-                <a:spcPct val="90000"/>
-              </a:lnSpc>
-              <a:spcBef>
-                <a:spcPts val="200"/>
-              </a:spcBef>
-              <a:spcAft>
-                <a:spcPts val="400"/>
-              </a:spcAft>
-              <a:buClr>
-                <a:schemeClr val="accent1"/>
-              </a:buClr>
-              <a:buFont typeface="Wingdings 3" pitchFamily="18" charset="2"/>
-              <a:buChar char=""/>
-              <a:defRPr sz="1400" kern="1200">
-                <a:solidFill>
-                  <a:schemeClr val="tx1"/>
-                </a:solidFill>
-                <a:latin typeface="+mn-lt"/>
-                <a:ea typeface="+mn-ea"/>
-                <a:cs typeface="+mn-cs"/>
-              </a:defRPr>
-            </a:lvl7pPr>
-            <a:lvl8pPr marL="1216152" indent="-137160" algn="l" defTabSz="914400" rtl="0" eaLnBrk="1" latinLnBrk="0" hangingPunct="1">
-              <a:lnSpc>
-                <a:spcPct val="90000"/>
-              </a:lnSpc>
-              <a:spcBef>
-                <a:spcPts val="200"/>
-              </a:spcBef>
-              <a:spcAft>
-                <a:spcPts val="400"/>
-              </a:spcAft>
-              <a:buClr>
-                <a:schemeClr val="accent1"/>
-              </a:buClr>
-              <a:buFont typeface="Wingdings 3" pitchFamily="18" charset="2"/>
-              <a:buChar char=""/>
-              <a:defRPr sz="1400" kern="1200">
-                <a:solidFill>
-                  <a:schemeClr val="tx1"/>
-                </a:solidFill>
-                <a:latin typeface="+mn-lt"/>
-                <a:ea typeface="+mn-ea"/>
-                <a:cs typeface="+mn-cs"/>
-              </a:defRPr>
-            </a:lvl8pPr>
-            <a:lvl9pPr marL="1362456" indent="-137160" algn="l" defTabSz="914400" rtl="0" eaLnBrk="1" latinLnBrk="0" hangingPunct="1">
-              <a:lnSpc>
-                <a:spcPct val="90000"/>
-              </a:lnSpc>
-              <a:spcBef>
-                <a:spcPts val="200"/>
-              </a:spcBef>
-              <a:spcAft>
-                <a:spcPts val="400"/>
-              </a:spcAft>
-              <a:buClr>
-                <a:schemeClr val="accent1"/>
-              </a:buClr>
-              <a:buFont typeface="Wingdings 3" pitchFamily="18" charset="2"/>
-              <a:buChar char=""/>
-              <a:defRPr sz="1400" kern="1200">
-                <a:solidFill>
-                  <a:schemeClr val="tx1"/>
-                </a:solidFill>
-                <a:latin typeface="+mn-lt"/>
-                <a:ea typeface="+mn-ea"/>
-                <a:cs typeface="+mn-cs"/>
-              </a:defRPr>
-            </a:lvl9pPr>
-          </a:lstStyle>
-          <a:p>
-            <a:pPr marL="0" indent="0">
-              <a:spcBef>
-                <a:spcPts val="800"/>
-              </a:spcBef>
-              <a:spcAft>
-                <a:spcPts val="1600"/>
-              </a:spcAft>
-              <a:buFont typeface="Tw Cen MT" panose="020B0602020104020603" pitchFamily="34" charset="0"/>
-              <a:buNone/>
-            </a:pPr>
-            <a:r>
-              <a:rPr lang="en-US" sz="1200" b="1" dirty="0"/>
-              <a:t>Elements to consider in naming files:</a:t>
-            </a:r>
-          </a:p>
-          <a:p>
-            <a:pPr>
-              <a:lnSpc>
-                <a:spcPct val="100000"/>
-              </a:lnSpc>
-              <a:spcBef>
-                <a:spcPts val="800"/>
-              </a:spcBef>
-              <a:buFont typeface="Arial" panose="020B0604020202020204" pitchFamily="34" charset="0"/>
-              <a:buChar char="•"/>
-            </a:pPr>
-            <a:r>
-              <a:rPr lang="en-US" sz="1200" dirty="0"/>
-              <a:t> Date of creation/collection</a:t>
-            </a:r>
-          </a:p>
-          <a:p>
-            <a:pPr>
-              <a:lnSpc>
-                <a:spcPct val="100000"/>
-              </a:lnSpc>
-              <a:spcBef>
-                <a:spcPts val="800"/>
-              </a:spcBef>
-              <a:buFont typeface="Arial" panose="020B0604020202020204" pitchFamily="34" charset="0"/>
-              <a:buChar char="•"/>
-            </a:pPr>
-            <a:r>
-              <a:rPr lang="en-US" sz="1200" dirty="0"/>
-              <a:t> Short description </a:t>
-            </a:r>
-          </a:p>
-          <a:p>
-            <a:pPr>
-              <a:lnSpc>
-                <a:spcPct val="100000"/>
-              </a:lnSpc>
-              <a:spcBef>
-                <a:spcPts val="800"/>
-              </a:spcBef>
-              <a:buFont typeface="Arial" panose="020B0604020202020204" pitchFamily="34" charset="0"/>
-              <a:buChar char="•"/>
-            </a:pPr>
-            <a:r>
-              <a:rPr lang="en-US" sz="1200" dirty="0"/>
-              <a:t> Group/affiliation</a:t>
-            </a:r>
-          </a:p>
-          <a:p>
-            <a:pPr>
-              <a:lnSpc>
-                <a:spcPct val="100000"/>
-              </a:lnSpc>
-              <a:spcBef>
-                <a:spcPts val="800"/>
-              </a:spcBef>
-              <a:buFont typeface="Arial" panose="020B0604020202020204" pitchFamily="34" charset="0"/>
-              <a:buChar char="•"/>
-            </a:pPr>
-            <a:r>
-              <a:rPr lang="en-US" sz="1200" dirty="0"/>
-              <a:t> Activity </a:t>
-            </a:r>
-          </a:p>
-          <a:p>
-            <a:pPr>
-              <a:lnSpc>
-                <a:spcPct val="100000"/>
-              </a:lnSpc>
-              <a:spcBef>
-                <a:spcPts val="800"/>
-              </a:spcBef>
-              <a:buFont typeface="Arial" panose="020B0604020202020204" pitchFamily="34" charset="0"/>
-              <a:buChar char="•"/>
-            </a:pPr>
-            <a:r>
-              <a:rPr lang="en-US" sz="1200" dirty="0"/>
-              <a:t> Location</a:t>
-            </a:r>
-          </a:p>
-          <a:p>
-            <a:pPr>
-              <a:lnSpc>
-                <a:spcPct val="100000"/>
-              </a:lnSpc>
-              <a:spcBef>
-                <a:spcPts val="800"/>
-              </a:spcBef>
-              <a:buFont typeface="Arial" panose="020B0604020202020204" pitchFamily="34" charset="0"/>
-              <a:buChar char="•"/>
-            </a:pPr>
-            <a:r>
-              <a:rPr lang="en-US" sz="1200" dirty="0"/>
-              <a:t> Editor/creator</a:t>
-            </a:r>
-          </a:p>
-          <a:p>
-            <a:pPr>
-              <a:lnSpc>
-                <a:spcPct val="100000"/>
-              </a:lnSpc>
-              <a:spcBef>
-                <a:spcPts val="800"/>
-              </a:spcBef>
-              <a:buFont typeface="Arial" panose="020B0604020202020204" pitchFamily="34" charset="0"/>
-              <a:buChar char="•"/>
-            </a:pPr>
-            <a:r>
-              <a:rPr lang="en-US" sz="1200" dirty="0"/>
-              <a:t> Other relevant information</a:t>
-            </a:r>
-          </a:p>
-          <a:p>
-            <a:pPr marL="285750" indent="-285750">
-              <a:lnSpc>
-                <a:spcPct val="100000"/>
-              </a:lnSpc>
-              <a:spcBef>
-                <a:spcPts val="800"/>
-              </a:spcBef>
-            </a:pPr>
-            <a:endParaRPr lang="en-US" sz="1200" dirty="0"/>
-          </a:p>
-          <a:p>
-            <a:pPr marL="285750" indent="-285750">
-              <a:lnSpc>
-                <a:spcPct val="100000"/>
-              </a:lnSpc>
-              <a:spcBef>
-                <a:spcPts val="800"/>
-              </a:spcBef>
-            </a:pPr>
-            <a:endParaRPr lang="en-US" sz="1200" dirty="0"/>
-          </a:p>
-          <a:p>
-            <a:pPr marL="285750" indent="-285750">
-              <a:spcBef>
-                <a:spcPts val="800"/>
-              </a:spcBef>
-              <a:spcAft>
-                <a:spcPts val="1600"/>
-              </a:spcAft>
-            </a:pPr>
-            <a:endParaRPr lang="en-US" sz="1500" dirty="0"/>
-          </a:p>
-        </p:txBody>
-      </p:sp>
     </p:spTree>
     <p:extLst>
       <p:ext uri="{BB962C8B-B14F-4D97-AF65-F5344CB8AC3E}">
-        <p14:creationId xmlns:p14="http://schemas.microsoft.com/office/powerpoint/2010/main" val="1014573603"/>
+        <p14:creationId xmlns:p14="http://schemas.microsoft.com/office/powerpoint/2010/main" val="1628955001"/>
       </p:ext>
     </p:extLst>
   </p:cSld>
@@ -14886,10 +14770,432 @@
           </a:ln>
         </p:spPr>
       </p:cxnSp>
+      <p:sp>
+        <p:nvSpPr>
+          <p:cNvPr id="4" name="Rectangle 3">
+            <a:extLst>
+              <a:ext uri="{FF2B5EF4-FFF2-40B4-BE49-F238E27FC236}">
+                <a16:creationId xmlns:a16="http://schemas.microsoft.com/office/drawing/2014/main" id="{2F618B81-67AE-74B9-AFD3-0CF35B27C739}"/>
+              </a:ext>
+            </a:extLst>
+          </p:cNvPr>
+          <p:cNvSpPr/>
+          <p:nvPr/>
+        </p:nvSpPr>
+        <p:spPr>
+          <a:xfrm>
+            <a:off x="4705310" y="1273173"/>
+            <a:ext cx="3508021" cy="2946563"/>
+          </a:xfrm>
+          <a:prstGeom prst="rect">
+            <a:avLst/>
+          </a:prstGeom>
+          <a:solidFill>
+            <a:srgbClr val="76D6FF"/>
+          </a:solidFill>
+        </p:spPr>
+        <p:style>
+          <a:lnRef idx="2">
+            <a:schemeClr val="accent1">
+              <a:shade val="50000"/>
+            </a:schemeClr>
+          </a:lnRef>
+          <a:fillRef idx="1">
+            <a:schemeClr val="accent1"/>
+          </a:fillRef>
+          <a:effectRef idx="0">
+            <a:schemeClr val="accent1"/>
+          </a:effectRef>
+          <a:fontRef idx="minor">
+            <a:schemeClr val="lt1"/>
+          </a:fontRef>
+        </p:style>
+        <p:txBody>
+          <a:bodyPr rtlCol="0" anchor="ctr"/>
+          <a:lstStyle/>
+          <a:p>
+            <a:pPr algn="ctr"/>
+            <a:endParaRPr lang="en-CA" dirty="0"/>
+          </a:p>
+        </p:txBody>
+      </p:sp>
+      <p:sp>
+        <p:nvSpPr>
+          <p:cNvPr id="7" name="Google Shape;80;p16">
+            <a:extLst>
+              <a:ext uri="{FF2B5EF4-FFF2-40B4-BE49-F238E27FC236}">
+                <a16:creationId xmlns:a16="http://schemas.microsoft.com/office/drawing/2014/main" id="{3B72E184-C10A-F187-DC04-B345A3D4B9A4}"/>
+              </a:ext>
+            </a:extLst>
+          </p:cNvPr>
+          <p:cNvSpPr txBox="1">
+            <a:spLocks/>
+          </p:cNvSpPr>
+          <p:nvPr/>
+        </p:nvSpPr>
+        <p:spPr>
+          <a:xfrm>
+            <a:off x="4943854" y="1273174"/>
+            <a:ext cx="3100551" cy="3695100"/>
+          </a:xfrm>
+          <a:prstGeom prst="rect">
+            <a:avLst/>
+          </a:prstGeom>
+        </p:spPr>
+        <p:txBody>
+          <a:bodyPr spcFirstLastPara="1" wrap="square" lIns="91425" tIns="91425" rIns="91425" bIns="91425" anchor="t" anchorCtr="0">
+            <a:noAutofit/>
+          </a:bodyPr>
+          <a:lstStyle>
+            <a:lvl1pPr marL="91440" indent="-91440" algn="l" defTabSz="914400" rtl="0" eaLnBrk="1" latinLnBrk="0" hangingPunct="1">
+              <a:lnSpc>
+                <a:spcPct val="90000"/>
+              </a:lnSpc>
+              <a:spcBef>
+                <a:spcPts val="1200"/>
+              </a:spcBef>
+              <a:spcAft>
+                <a:spcPts val="200"/>
+              </a:spcAft>
+              <a:buClr>
+                <a:schemeClr val="accent1"/>
+              </a:buClr>
+              <a:buSzPct val="100000"/>
+              <a:buFont typeface="Tw Cen MT" panose="020B0602020104020603" pitchFamily="34" charset="0"/>
+              <a:buChar char=" "/>
+              <a:defRPr sz="2200" kern="1200">
+                <a:solidFill>
+                  <a:schemeClr val="tx1"/>
+                </a:solidFill>
+                <a:latin typeface="+mn-lt"/>
+                <a:ea typeface="+mn-ea"/>
+                <a:cs typeface="+mn-cs"/>
+              </a:defRPr>
+            </a:lvl1pPr>
+            <a:lvl2pPr marL="265176" indent="-137160" algn="l" defTabSz="914400" rtl="0" eaLnBrk="1" latinLnBrk="0" hangingPunct="1">
+              <a:lnSpc>
+                <a:spcPct val="90000"/>
+              </a:lnSpc>
+              <a:spcBef>
+                <a:spcPts val="200"/>
+              </a:spcBef>
+              <a:spcAft>
+                <a:spcPts val="400"/>
+              </a:spcAft>
+              <a:buClr>
+                <a:schemeClr val="accent1"/>
+              </a:buClr>
+              <a:buFont typeface="Wingdings 3" pitchFamily="18" charset="2"/>
+              <a:buChar char=""/>
+              <a:defRPr sz="1800" kern="1200">
+                <a:solidFill>
+                  <a:schemeClr val="tx1"/>
+                </a:solidFill>
+                <a:latin typeface="+mn-lt"/>
+                <a:ea typeface="+mn-ea"/>
+                <a:cs typeface="+mn-cs"/>
+              </a:defRPr>
+            </a:lvl2pPr>
+            <a:lvl3pPr marL="448056" indent="-137160" algn="l" defTabSz="914400" rtl="0" eaLnBrk="1" latinLnBrk="0" hangingPunct="1">
+              <a:lnSpc>
+                <a:spcPct val="90000"/>
+              </a:lnSpc>
+              <a:spcBef>
+                <a:spcPts val="200"/>
+              </a:spcBef>
+              <a:spcAft>
+                <a:spcPts val="400"/>
+              </a:spcAft>
+              <a:buClr>
+                <a:schemeClr val="accent1"/>
+              </a:buClr>
+              <a:buFont typeface="Wingdings 3" pitchFamily="18" charset="2"/>
+              <a:buChar char=""/>
+              <a:defRPr sz="1400" kern="1200">
+                <a:solidFill>
+                  <a:schemeClr val="tx1"/>
+                </a:solidFill>
+                <a:latin typeface="+mn-lt"/>
+                <a:ea typeface="+mn-ea"/>
+                <a:cs typeface="+mn-cs"/>
+              </a:defRPr>
+            </a:lvl3pPr>
+            <a:lvl4pPr marL="594360" indent="-137160" algn="l" defTabSz="914400" rtl="0" eaLnBrk="1" latinLnBrk="0" hangingPunct="1">
+              <a:lnSpc>
+                <a:spcPct val="90000"/>
+              </a:lnSpc>
+              <a:spcBef>
+                <a:spcPts val="200"/>
+              </a:spcBef>
+              <a:spcAft>
+                <a:spcPts val="400"/>
+              </a:spcAft>
+              <a:buClr>
+                <a:schemeClr val="accent1"/>
+              </a:buClr>
+              <a:buFont typeface="Wingdings 3" pitchFamily="18" charset="2"/>
+              <a:buChar char=""/>
+              <a:defRPr sz="1400" kern="1200">
+                <a:solidFill>
+                  <a:schemeClr val="tx1"/>
+                </a:solidFill>
+                <a:latin typeface="+mn-lt"/>
+                <a:ea typeface="+mn-ea"/>
+                <a:cs typeface="+mn-cs"/>
+              </a:defRPr>
+            </a:lvl4pPr>
+            <a:lvl5pPr marL="777240" indent="-137160" algn="l" defTabSz="914400" rtl="0" eaLnBrk="1" latinLnBrk="0" hangingPunct="1">
+              <a:lnSpc>
+                <a:spcPct val="90000"/>
+              </a:lnSpc>
+              <a:spcBef>
+                <a:spcPts val="200"/>
+              </a:spcBef>
+              <a:spcAft>
+                <a:spcPts val="400"/>
+              </a:spcAft>
+              <a:buClr>
+                <a:schemeClr val="accent1"/>
+              </a:buClr>
+              <a:buFont typeface="Wingdings 3" pitchFamily="18" charset="2"/>
+              <a:buChar char=""/>
+              <a:defRPr sz="1400" kern="1200">
+                <a:solidFill>
+                  <a:schemeClr val="tx1"/>
+                </a:solidFill>
+                <a:latin typeface="+mn-lt"/>
+                <a:ea typeface="+mn-ea"/>
+                <a:cs typeface="+mn-cs"/>
+              </a:defRPr>
+            </a:lvl5pPr>
+            <a:lvl6pPr marL="914400" indent="-137160" algn="l" defTabSz="914400" rtl="0" eaLnBrk="1" latinLnBrk="0" hangingPunct="1">
+              <a:lnSpc>
+                <a:spcPct val="90000"/>
+              </a:lnSpc>
+              <a:spcBef>
+                <a:spcPts val="200"/>
+              </a:spcBef>
+              <a:spcAft>
+                <a:spcPts val="400"/>
+              </a:spcAft>
+              <a:buClr>
+                <a:schemeClr val="accent1"/>
+              </a:buClr>
+              <a:buFont typeface="Wingdings 3" pitchFamily="18" charset="2"/>
+              <a:buChar char=""/>
+              <a:defRPr sz="1400" kern="1200">
+                <a:solidFill>
+                  <a:schemeClr val="tx1"/>
+                </a:solidFill>
+                <a:latin typeface="+mn-lt"/>
+                <a:ea typeface="+mn-ea"/>
+                <a:cs typeface="+mn-cs"/>
+              </a:defRPr>
+            </a:lvl6pPr>
+            <a:lvl7pPr marL="1060704" indent="-137160" algn="l" defTabSz="914400" rtl="0" eaLnBrk="1" latinLnBrk="0" hangingPunct="1">
+              <a:lnSpc>
+                <a:spcPct val="90000"/>
+              </a:lnSpc>
+              <a:spcBef>
+                <a:spcPts val="200"/>
+              </a:spcBef>
+              <a:spcAft>
+                <a:spcPts val="400"/>
+              </a:spcAft>
+              <a:buClr>
+                <a:schemeClr val="accent1"/>
+              </a:buClr>
+              <a:buFont typeface="Wingdings 3" pitchFamily="18" charset="2"/>
+              <a:buChar char=""/>
+              <a:defRPr sz="1400" kern="1200">
+                <a:solidFill>
+                  <a:schemeClr val="tx1"/>
+                </a:solidFill>
+                <a:latin typeface="+mn-lt"/>
+                <a:ea typeface="+mn-ea"/>
+                <a:cs typeface="+mn-cs"/>
+              </a:defRPr>
+            </a:lvl7pPr>
+            <a:lvl8pPr marL="1216152" indent="-137160" algn="l" defTabSz="914400" rtl="0" eaLnBrk="1" latinLnBrk="0" hangingPunct="1">
+              <a:lnSpc>
+                <a:spcPct val="90000"/>
+              </a:lnSpc>
+              <a:spcBef>
+                <a:spcPts val="200"/>
+              </a:spcBef>
+              <a:spcAft>
+                <a:spcPts val="400"/>
+              </a:spcAft>
+              <a:buClr>
+                <a:schemeClr val="accent1"/>
+              </a:buClr>
+              <a:buFont typeface="Wingdings 3" pitchFamily="18" charset="2"/>
+              <a:buChar char=""/>
+              <a:defRPr sz="1400" kern="1200">
+                <a:solidFill>
+                  <a:schemeClr val="tx1"/>
+                </a:solidFill>
+                <a:latin typeface="+mn-lt"/>
+                <a:ea typeface="+mn-ea"/>
+                <a:cs typeface="+mn-cs"/>
+              </a:defRPr>
+            </a:lvl8pPr>
+            <a:lvl9pPr marL="1362456" indent="-137160" algn="l" defTabSz="914400" rtl="0" eaLnBrk="1" latinLnBrk="0" hangingPunct="1">
+              <a:lnSpc>
+                <a:spcPct val="90000"/>
+              </a:lnSpc>
+              <a:spcBef>
+                <a:spcPts val="200"/>
+              </a:spcBef>
+              <a:spcAft>
+                <a:spcPts val="400"/>
+              </a:spcAft>
+              <a:buClr>
+                <a:schemeClr val="accent1"/>
+              </a:buClr>
+              <a:buFont typeface="Wingdings 3" pitchFamily="18" charset="2"/>
+              <a:buChar char=""/>
+              <a:defRPr sz="1400" kern="1200">
+                <a:solidFill>
+                  <a:schemeClr val="tx1"/>
+                </a:solidFill>
+                <a:latin typeface="+mn-lt"/>
+                <a:ea typeface="+mn-ea"/>
+                <a:cs typeface="+mn-cs"/>
+              </a:defRPr>
+            </a:lvl9pPr>
+          </a:lstStyle>
+          <a:p>
+            <a:pPr marL="0" indent="0">
+              <a:spcBef>
+                <a:spcPts val="800"/>
+              </a:spcBef>
+              <a:spcAft>
+                <a:spcPts val="1600"/>
+              </a:spcAft>
+              <a:buFont typeface="Tw Cen MT" panose="020B0602020104020603" pitchFamily="34" charset="0"/>
+              <a:buNone/>
+            </a:pPr>
+            <a:r>
+              <a:rPr lang="en-US" sz="1200" b="1" dirty="0"/>
+              <a:t>Machine Readable Qualities:</a:t>
+            </a:r>
+          </a:p>
+          <a:p>
+            <a:pPr>
+              <a:lnSpc>
+                <a:spcPct val="100000"/>
+              </a:lnSpc>
+              <a:spcBef>
+                <a:spcPts val="800"/>
+              </a:spcBef>
+              <a:buFont typeface="Arial" panose="020B0604020202020204" pitchFamily="34" charset="0"/>
+              <a:buChar char="•"/>
+            </a:pPr>
+            <a:r>
+              <a:rPr lang="en-US" sz="1200" dirty="0"/>
+              <a:t>Only contain letters in the English alphabet, numbers 0-9, dashes -, and underscores _</a:t>
+            </a:r>
+          </a:p>
+          <a:p>
+            <a:pPr>
+              <a:lnSpc>
+                <a:spcPct val="100000"/>
+              </a:lnSpc>
+              <a:spcBef>
+                <a:spcPts val="800"/>
+              </a:spcBef>
+              <a:buFont typeface="Arial" panose="020B0604020202020204" pitchFamily="34" charset="0"/>
+              <a:buChar char="•"/>
+            </a:pPr>
+            <a:r>
+              <a:rPr lang="en-US" sz="1200" dirty="0"/>
+              <a:t>Do not use spaces or special characters such as: !@#$%^&amp;*()+={}[]|</a:t>
+            </a:r>
+          </a:p>
+          <a:p>
+            <a:pPr>
+              <a:lnSpc>
+                <a:spcPct val="100000"/>
+              </a:lnSpc>
+              <a:spcBef>
+                <a:spcPts val="800"/>
+              </a:spcBef>
+              <a:buFont typeface="Arial" panose="020B0604020202020204" pitchFamily="34" charset="0"/>
+              <a:buChar char="•"/>
+            </a:pPr>
+            <a:r>
+              <a:rPr lang="en-US" sz="1200" dirty="0"/>
+              <a:t>Separate naming elements with underscores and dashes</a:t>
+            </a:r>
+          </a:p>
+          <a:p>
+            <a:pPr>
+              <a:lnSpc>
+                <a:spcPct val="100000"/>
+              </a:lnSpc>
+              <a:spcBef>
+                <a:spcPts val="800"/>
+              </a:spcBef>
+              <a:buFont typeface="Arial" panose="020B0604020202020204" pitchFamily="34" charset="0"/>
+              <a:buChar char="•"/>
+            </a:pPr>
+            <a:r>
+              <a:rPr lang="en-US" sz="1200" dirty="0"/>
+              <a:t>Use date format:		 </a:t>
+            </a:r>
+            <a:r>
+              <a:rPr lang="en-US" sz="1200" b="1" dirty="0"/>
+              <a:t>YYYYMMDD</a:t>
+            </a:r>
+            <a:r>
+              <a:rPr lang="en-US" sz="1200" dirty="0"/>
+              <a:t> or </a:t>
+            </a:r>
+            <a:r>
+              <a:rPr lang="en-US" sz="1200" b="1" dirty="0"/>
+              <a:t>YYYY-MM-DD</a:t>
+            </a:r>
+          </a:p>
+          <a:p>
+            <a:pPr marL="285750" indent="-285750">
+              <a:lnSpc>
+                <a:spcPct val="100000"/>
+              </a:lnSpc>
+              <a:spcBef>
+                <a:spcPts val="800"/>
+              </a:spcBef>
+            </a:pPr>
+            <a:endParaRPr lang="en-US" sz="1200" dirty="0"/>
+          </a:p>
+          <a:p>
+            <a:pPr marL="285750" indent="-285750">
+              <a:lnSpc>
+                <a:spcPct val="100000"/>
+              </a:lnSpc>
+              <a:spcBef>
+                <a:spcPts val="800"/>
+              </a:spcBef>
+            </a:pPr>
+            <a:endParaRPr lang="en-US" sz="1200" dirty="0"/>
+          </a:p>
+          <a:p>
+            <a:pPr marL="285750" indent="-285750">
+              <a:spcBef>
+                <a:spcPts val="800"/>
+              </a:spcBef>
+              <a:spcAft>
+                <a:spcPts val="1600"/>
+              </a:spcAft>
+            </a:pPr>
+            <a:endParaRPr lang="en-US" sz="1500" dirty="0"/>
+          </a:p>
+        </p:txBody>
+      </p:sp>
     </p:spTree>
     <p:extLst>
       <p:ext uri="{BB962C8B-B14F-4D97-AF65-F5344CB8AC3E}">
-        <p14:creationId xmlns:p14="http://schemas.microsoft.com/office/powerpoint/2010/main" val="1628955001"/>
+        <p14:creationId xmlns:p14="http://schemas.microsoft.com/office/powerpoint/2010/main" val="3827613448"/>
       </p:ext>
     </p:extLst>
   </p:cSld>

--- a/files/Block2-1_Files-and-Folders.pptx
+++ b/files/Block2-1_Files-and-Folders.pptx
@@ -10314,7 +10314,7 @@
           <a:lstStyle/>
           <a:p>
             <a:r>
-              <a:rPr lang="en-US" dirty="0"/>
+              <a:rPr lang="en-US" b="1" dirty="0"/>
               <a:t>| -- Project/</a:t>
             </a:r>
           </a:p>
@@ -10342,25 +10342,25 @@
           </a:p>
           <a:p>
             <a:r>
-              <a:rPr lang="en-US" dirty="0"/>
+              <a:rPr lang="en-US" b="1" dirty="0"/>
               <a:t>|   | -- Data/</a:t>
             </a:r>
           </a:p>
           <a:p>
             <a:r>
-              <a:rPr lang="en-US" dirty="0"/>
+              <a:rPr lang="en-US" b="1" dirty="0"/>
               <a:t>|   | -- Funding/</a:t>
             </a:r>
           </a:p>
           <a:p>
             <a:r>
-              <a:rPr lang="en-US" dirty="0"/>
+              <a:rPr lang="en-US" b="1" dirty="0"/>
               <a:t>|   | -- Manuscript/</a:t>
             </a:r>
           </a:p>
           <a:p>
             <a:r>
-              <a:rPr lang="en-US" dirty="0"/>
+              <a:rPr lang="en-US" b="1" dirty="0"/>
               <a:t>|   | -- Scripts/</a:t>
             </a:r>
           </a:p>
@@ -11102,7 +11102,7 @@
           <a:lstStyle/>
           <a:p>
             <a:r>
-              <a:rPr lang="en-US" dirty="0"/>
+              <a:rPr lang="en-US" b="1" dirty="0"/>
               <a:t>| -- Project/</a:t>
             </a:r>
           </a:p>
@@ -11130,25 +11130,25 @@
           </a:p>
           <a:p>
             <a:r>
-              <a:rPr lang="en-US" dirty="0"/>
+              <a:rPr lang="en-US" b="1" dirty="0"/>
               <a:t>|   | -- Data/</a:t>
             </a:r>
           </a:p>
           <a:p>
             <a:r>
-              <a:rPr lang="en-US" dirty="0"/>
+              <a:rPr lang="en-US" b="1" dirty="0"/>
               <a:t>|   | -- Funding/</a:t>
             </a:r>
           </a:p>
           <a:p>
             <a:r>
-              <a:rPr lang="en-US" dirty="0"/>
+              <a:rPr lang="en-US" b="1" dirty="0"/>
               <a:t>|   | -- Manuscript/</a:t>
             </a:r>
           </a:p>
           <a:p>
             <a:r>
-              <a:rPr lang="en-US" dirty="0"/>
+              <a:rPr lang="en-US" b="1" dirty="0"/>
               <a:t>|   | -- Scripts/</a:t>
             </a:r>
           </a:p>
@@ -11356,7 +11356,7 @@
           <a:lstStyle/>
           <a:p>
             <a:r>
-              <a:rPr lang="en-US" dirty="0"/>
+              <a:rPr lang="en-US" b="1" dirty="0"/>
               <a:t>| -- Project/</a:t>
             </a:r>
           </a:p>
@@ -11384,55 +11384,55 @@
           </a:p>
           <a:p>
             <a:r>
-              <a:rPr lang="en-US" dirty="0"/>
+              <a:rPr lang="en-US" b="1" dirty="0"/>
               <a:t>|   | --Analysis</a:t>
             </a:r>
           </a:p>
           <a:p>
             <a:r>
-              <a:rPr lang="en-US" dirty="0"/>
+              <a:rPr lang="en-US" b="1" dirty="0"/>
               <a:t>|   |   | -- Location-subsets/</a:t>
             </a:r>
           </a:p>
           <a:p>
             <a:r>
-              <a:rPr lang="en-US" dirty="0"/>
+              <a:rPr lang="en-US" b="1" dirty="0"/>
               <a:t>|   |   | -- Scripts/</a:t>
             </a:r>
           </a:p>
           <a:p>
             <a:r>
-              <a:rPr lang="en-US" dirty="0"/>
+              <a:rPr lang="en-US" b="1" dirty="0"/>
               <a:t>|   |   | -- Species-subsets/</a:t>
             </a:r>
           </a:p>
           <a:p>
             <a:r>
-              <a:rPr lang="en-US" dirty="0"/>
+              <a:rPr lang="en-US" b="1" dirty="0"/>
               <a:t>|   | -- Data/</a:t>
             </a:r>
           </a:p>
           <a:p>
             <a:r>
-              <a:rPr lang="en-US" dirty="0"/>
+              <a:rPr lang="en-US" b="1" dirty="0"/>
               <a:t>|   |   | -- Processed/</a:t>
             </a:r>
           </a:p>
           <a:p>
             <a:r>
-              <a:rPr lang="en-US" dirty="0"/>
+              <a:rPr lang="en-US" b="1" dirty="0"/>
               <a:t>|   |   | -- Unprocessed/</a:t>
             </a:r>
           </a:p>
           <a:p>
             <a:r>
-              <a:rPr lang="en-US" dirty="0"/>
+              <a:rPr lang="en-US" b="1" dirty="0"/>
               <a:t>|   | -- Funding/</a:t>
             </a:r>
           </a:p>
           <a:p>
             <a:r>
-              <a:rPr lang="en-US" dirty="0"/>
+              <a:rPr lang="en-US" b="1" dirty="0"/>
               <a:t>|   | -- Manuscript/</a:t>
             </a:r>
           </a:p>
@@ -12230,7 +12230,7 @@
         <p:spPr>
           <a:xfrm>
             <a:off x="710750" y="387250"/>
-            <a:ext cx="6151604" cy="776400"/>
+            <a:ext cx="7041772" cy="776400"/>
           </a:xfrm>
           <a:prstGeom prst="rect">
             <a:avLst/>
@@ -12430,7 +12430,7 @@
         <p:spPr>
           <a:xfrm>
             <a:off x="812499" y="1045726"/>
-            <a:ext cx="5840850" cy="0"/>
+            <a:ext cx="6532518" cy="0"/>
           </a:xfrm>
           <a:prstGeom prst="straightConnector1">
             <a:avLst/>
